--- a/D3/3. Goodness of Fit.pptx
+++ b/D3/3. Goodness of Fit.pptx
@@ -5,39 +5,38 @@
     <p:sldMasterId id="2147483648" r:id="rId1"/>
   </p:sldMasterIdLst>
   <p:notesMasterIdLst>
-    <p:notesMasterId r:id="rId22"/>
+    <p:notesMasterId r:id="rId21"/>
   </p:notesMasterIdLst>
   <p:sldIdLst>
     <p:sldId id="256" r:id="rId2"/>
     <p:sldId id="258" r:id="rId3"/>
-    <p:sldId id="259" r:id="rId4"/>
-    <p:sldId id="260" r:id="rId5"/>
-    <p:sldId id="261" r:id="rId6"/>
-    <p:sldId id="262" r:id="rId7"/>
-    <p:sldId id="263" r:id="rId8"/>
-    <p:sldId id="264" r:id="rId9"/>
-    <p:sldId id="265" r:id="rId10"/>
-    <p:sldId id="266" r:id="rId11"/>
-    <p:sldId id="267" r:id="rId12"/>
-    <p:sldId id="268" r:id="rId13"/>
-    <p:sldId id="269" r:id="rId14"/>
-    <p:sldId id="270" r:id="rId15"/>
-    <p:sldId id="271" r:id="rId16"/>
-    <p:sldId id="272" r:id="rId17"/>
-    <p:sldId id="273" r:id="rId18"/>
-    <p:sldId id="274" r:id="rId19"/>
-    <p:sldId id="275" r:id="rId20"/>
-    <p:sldId id="276" r:id="rId21"/>
+    <p:sldId id="260" r:id="rId4"/>
+    <p:sldId id="261" r:id="rId5"/>
+    <p:sldId id="262" r:id="rId6"/>
+    <p:sldId id="263" r:id="rId7"/>
+    <p:sldId id="264" r:id="rId8"/>
+    <p:sldId id="265" r:id="rId9"/>
+    <p:sldId id="266" r:id="rId10"/>
+    <p:sldId id="267" r:id="rId11"/>
+    <p:sldId id="268" r:id="rId12"/>
+    <p:sldId id="269" r:id="rId13"/>
+    <p:sldId id="270" r:id="rId14"/>
+    <p:sldId id="271" r:id="rId15"/>
+    <p:sldId id="272" r:id="rId16"/>
+    <p:sldId id="273" r:id="rId17"/>
+    <p:sldId id="274" r:id="rId18"/>
+    <p:sldId id="275" r:id="rId19"/>
+    <p:sldId id="276" r:id="rId20"/>
   </p:sldIdLst>
   <p:sldSz cx="9144000" cy="5143500" type="screen16x9"/>
   <p:notesSz cx="6858000" cy="9144000"/>
   <p:embeddedFontLst>
     <p:embeddedFont>
       <p:font typeface="Roboto" panose="02000000000000000000" pitchFamily="2" charset="0"/>
-      <p:regular r:id="rId23"/>
-      <p:bold r:id="rId24"/>
-      <p:italic r:id="rId25"/>
-      <p:boldItalic r:id="rId26"/>
+      <p:regular r:id="rId22"/>
+      <p:bold r:id="rId23"/>
+      <p:italic r:id="rId24"/>
+      <p:boldItalic r:id="rId25"/>
     </p:embeddedFont>
   </p:embeddedFontLst>
   <p:defaultTextStyle>
@@ -270,8 +269,11 @@
     </a:lvl9pPr>
   </p:defaultTextStyle>
   <p:extLst>
+    <p:ext uri="{EFAFB233-063F-42B5-8137-9DF3F51BA10A}">
+      <p15:sldGuideLst xmlns:p15="http://schemas.microsoft.com/office/powerpoint/2012/main"/>
+    </p:ext>
     <p:ext uri="http://customooxmlschemas.google.com/">
-      <go:slidesCustomData xmlns:go="http://customooxmlschemas.google.com/" xmlns:ahyp="http://schemas.microsoft.com/office/drawing/2018/hyperlinkcolor" xmlns:p15="http://schemas.microsoft.com/office/powerpoint/2012/main" xmlns:p14="http://schemas.microsoft.com/office/powerpoint/2010/main" xmlns:com="http://schemas.openxmlformats.org/drawingml/2006/compatibility" xmlns:pvml="urn:schemas-microsoft-com:office:powerpoint" xmlns:v="urn:schemas-microsoft-com:vml" xmlns:o="urn:schemas-microsoft-com:office:office" xmlns:dgm="http://schemas.openxmlformats.org/drawingml/2006/diagram" xmlns:c="http://schemas.openxmlformats.org/drawingml/2006/chart" xmlns:mv="urn:schemas-microsoft-com:mac:vml" xmlns:mc="http://schemas.openxmlformats.org/markup-compatibility/2006" xmlns="" r:id="rId31" roundtripDataSignature="AMtx7mjEWb7CB0qQ3dC018jKZdJZwa4KyA=="/>
+      <go:slidesCustomData xmlns="" xmlns:mc="http://schemas.openxmlformats.org/markup-compatibility/2006" xmlns:mv="urn:schemas-microsoft-com:mac:vml" xmlns:c="http://schemas.openxmlformats.org/drawingml/2006/chart" xmlns:dgm="http://schemas.openxmlformats.org/drawingml/2006/diagram" xmlns:o="urn:schemas-microsoft-com:office:office" xmlns:v="urn:schemas-microsoft-com:vml" xmlns:pvml="urn:schemas-microsoft-com:office:powerpoint" xmlns:com="http://schemas.openxmlformats.org/drawingml/2006/compatibility" xmlns:p14="http://schemas.microsoft.com/office/powerpoint/2010/main" xmlns:p15="http://schemas.microsoft.com/office/powerpoint/2012/main" xmlns:ahyp="http://schemas.microsoft.com/office/drawing/2018/hyperlinkcolor" xmlns:go="http://customooxmlschemas.google.com/" r:id="rId31" roundtripDataSignature="AMtx7mjEWb7CB0qQ3dC018jKZdJZwa4KyA=="/>
     </p:ext>
   </p:extLst>
 </p:presentation>
@@ -980,128 +982,6 @@
   <p:cSld>
     <p:spTree>
       <p:nvGrpSpPr>
-        <p:cNvPr id="1" name="Shape 129"/>
-        <p:cNvGrpSpPr/>
-        <p:nvPr/>
-      </p:nvGrpSpPr>
-      <p:grpSpPr>
-        <a:xfrm>
-          <a:off x="0" y="0"/>
-          <a:ext cx="0" cy="0"/>
-          <a:chOff x="0" y="0"/>
-          <a:chExt cx="0" cy="0"/>
-        </a:xfrm>
-      </p:grpSpPr>
-      <p:sp>
-        <p:nvSpPr>
-          <p:cNvPr id="130" name="Google Shape;130;p11:notes"/>
-          <p:cNvSpPr>
-            <a:spLocks noGrp="1" noRot="1" noChangeAspect="1"/>
-          </p:cNvSpPr>
-          <p:nvPr>
-            <p:ph type="sldImg" idx="2"/>
-          </p:nvPr>
-        </p:nvSpPr>
-        <p:spPr>
-          <a:xfrm>
-            <a:off x="381300" y="685800"/>
-            <a:ext cx="6096000" cy="3429000"/>
-          </a:xfrm>
-          <a:custGeom>
-            <a:avLst/>
-            <a:gdLst/>
-            <a:ahLst/>
-            <a:cxnLst/>
-            <a:rect l="l" t="t" r="r" b="b"/>
-            <a:pathLst>
-              <a:path w="120000" h="120000" extrusionOk="0">
-                <a:moveTo>
-                  <a:pt x="0" y="0"/>
-                </a:moveTo>
-                <a:lnTo>
-                  <a:pt x="120000" y="0"/>
-                </a:lnTo>
-                <a:lnTo>
-                  <a:pt x="120000" y="120000"/>
-                </a:lnTo>
-                <a:lnTo>
-                  <a:pt x="0" y="120000"/>
-                </a:lnTo>
-                <a:close/>
-              </a:path>
-            </a:pathLst>
-          </a:custGeom>
-          <a:noFill/>
-          <a:ln w="9525" cap="flat" cmpd="sng">
-            <a:solidFill>
-              <a:srgbClr val="000000"/>
-            </a:solidFill>
-            <a:prstDash val="solid"/>
-            <a:round/>
-            <a:headEnd type="none" w="sm" len="sm"/>
-            <a:tailEnd type="none" w="sm" len="sm"/>
-          </a:ln>
-        </p:spPr>
-      </p:sp>
-      <p:sp>
-        <p:nvSpPr>
-          <p:cNvPr id="131" name="Google Shape;131;p11:notes"/>
-          <p:cNvSpPr txBox="1">
-            <a:spLocks noGrp="1"/>
-          </p:cNvSpPr>
-          <p:nvPr>
-            <p:ph type="body" idx="1"/>
-          </p:nvPr>
-        </p:nvSpPr>
-        <p:spPr>
-          <a:xfrm>
-            <a:off x="685800" y="4343400"/>
-            <a:ext cx="5486400" cy="4114800"/>
-          </a:xfrm>
-          <a:prstGeom prst="rect">
-            <a:avLst/>
-          </a:prstGeom>
-          <a:noFill/>
-          <a:ln>
-            <a:noFill/>
-          </a:ln>
-        </p:spPr>
-        <p:txBody>
-          <a:bodyPr spcFirstLastPara="1" wrap="square" lIns="91425" tIns="91425" rIns="91425" bIns="91425" anchor="t" anchorCtr="0">
-            <a:noAutofit/>
-          </a:bodyPr>
-          <a:lstStyle/>
-          <a:p>
-            <a:pPr marL="0" lvl="0" indent="0" algn="l" rtl="0">
-              <a:lnSpc>
-                <a:spcPct val="100000"/>
-              </a:lnSpc>
-              <a:spcBef>
-                <a:spcPts val="0"/>
-              </a:spcBef>
-              <a:spcAft>
-                <a:spcPts val="0"/>
-              </a:spcAft>
-              <a:buSzPts val="1100"/>
-              <a:buNone/>
-            </a:pPr>
-            <a:endParaRPr/>
-          </a:p>
-        </p:txBody>
-      </p:sp>
-    </p:spTree>
-  </p:cSld>
-  <p:clrMapOvr>
-    <a:masterClrMapping/>
-  </p:clrMapOvr>
-</p:notes>
-</file>
-
-<file path=ppt/notesSlides/notesSlide11.xml><?xml version="1.0" encoding="utf-8"?>
-<p:notes xmlns:a="http://schemas.openxmlformats.org/drawingml/2006/main" xmlns:r="http://schemas.openxmlformats.org/officeDocument/2006/relationships" xmlns:p="http://schemas.openxmlformats.org/presentationml/2006/main" showMasterSp="0" showMasterPhAnim="0">
-  <p:cSld>
-    <p:spTree>
-      <p:nvGrpSpPr>
         <p:cNvPr id="1" name="Shape 137"/>
         <p:cNvGrpSpPr/>
         <p:nvPr/>
@@ -1219,7 +1099,7 @@
 </p:notes>
 </file>
 
-<file path=ppt/notesSlides/notesSlide12.xml><?xml version="1.0" encoding="utf-8"?>
+<file path=ppt/notesSlides/notesSlide11.xml><?xml version="1.0" encoding="utf-8"?>
 <p:notes xmlns:a="http://schemas.openxmlformats.org/drawingml/2006/main" xmlns:r="http://schemas.openxmlformats.org/officeDocument/2006/relationships" xmlns:p="http://schemas.openxmlformats.org/presentationml/2006/main" showMasterSp="0" showMasterPhAnim="0">
   <p:cSld>
     <p:spTree>
@@ -1341,7 +1221,7 @@
 </p:notes>
 </file>
 
-<file path=ppt/notesSlides/notesSlide13.xml><?xml version="1.0" encoding="utf-8"?>
+<file path=ppt/notesSlides/notesSlide12.xml><?xml version="1.0" encoding="utf-8"?>
 <p:notes xmlns:a="http://schemas.openxmlformats.org/drawingml/2006/main" xmlns:r="http://schemas.openxmlformats.org/officeDocument/2006/relationships" xmlns:p="http://schemas.openxmlformats.org/presentationml/2006/main" showMasterSp="0" showMasterPhAnim="0">
   <p:cSld>
     <p:spTree>
@@ -1463,7 +1343,7 @@
 </p:notes>
 </file>
 
-<file path=ppt/notesSlides/notesSlide14.xml><?xml version="1.0" encoding="utf-8"?>
+<file path=ppt/notesSlides/notesSlide13.xml><?xml version="1.0" encoding="utf-8"?>
 <p:notes xmlns:a="http://schemas.openxmlformats.org/drawingml/2006/main" xmlns:r="http://schemas.openxmlformats.org/officeDocument/2006/relationships" xmlns:p="http://schemas.openxmlformats.org/presentationml/2006/main" showMasterSp="0" showMasterPhAnim="0">
   <p:cSld>
     <p:spTree>
@@ -1585,7 +1465,7 @@
 </p:notes>
 </file>
 
-<file path=ppt/notesSlides/notesSlide15.xml><?xml version="1.0" encoding="utf-8"?>
+<file path=ppt/notesSlides/notesSlide14.xml><?xml version="1.0" encoding="utf-8"?>
 <p:notes xmlns:a="http://schemas.openxmlformats.org/drawingml/2006/main" xmlns:r="http://schemas.openxmlformats.org/officeDocument/2006/relationships" xmlns:p="http://schemas.openxmlformats.org/presentationml/2006/main" showMasterSp="0" showMasterPhAnim="0">
   <p:cSld>
     <p:spTree>
@@ -1707,7 +1587,7 @@
 </p:notes>
 </file>
 
-<file path=ppt/notesSlides/notesSlide16.xml><?xml version="1.0" encoding="utf-8"?>
+<file path=ppt/notesSlides/notesSlide15.xml><?xml version="1.0" encoding="utf-8"?>
 <p:notes xmlns:a="http://schemas.openxmlformats.org/drawingml/2006/main" xmlns:r="http://schemas.openxmlformats.org/officeDocument/2006/relationships" xmlns:p="http://schemas.openxmlformats.org/presentationml/2006/main" showMasterSp="0" showMasterPhAnim="0">
   <p:cSld>
     <p:spTree>
@@ -1829,7 +1709,7 @@
 </p:notes>
 </file>
 
-<file path=ppt/notesSlides/notesSlide17.xml><?xml version="1.0" encoding="utf-8"?>
+<file path=ppt/notesSlides/notesSlide16.xml><?xml version="1.0" encoding="utf-8"?>
 <p:notes xmlns:a="http://schemas.openxmlformats.org/drawingml/2006/main" xmlns:r="http://schemas.openxmlformats.org/officeDocument/2006/relationships" xmlns:p="http://schemas.openxmlformats.org/presentationml/2006/main" showMasterSp="0" showMasterPhAnim="0">
   <p:cSld>
     <p:spTree>
@@ -1951,7 +1831,7 @@
 </p:notes>
 </file>
 
-<file path=ppt/notesSlides/notesSlide18.xml><?xml version="1.0" encoding="utf-8"?>
+<file path=ppt/notesSlides/notesSlide17.xml><?xml version="1.0" encoding="utf-8"?>
 <p:notes xmlns:a="http://schemas.openxmlformats.org/drawingml/2006/main" xmlns:r="http://schemas.openxmlformats.org/officeDocument/2006/relationships" xmlns:p="http://schemas.openxmlformats.org/presentationml/2006/main" showMasterSp="0" showMasterPhAnim="0">
   <p:cSld>
     <p:spTree>
@@ -2073,7 +1953,7 @@
 </p:notes>
 </file>
 
-<file path=ppt/notesSlides/notesSlide19.xml><?xml version="1.0" encoding="utf-8"?>
+<file path=ppt/notesSlides/notesSlide18.xml><?xml version="1.0" encoding="utf-8"?>
 <p:notes xmlns:a="http://schemas.openxmlformats.org/drawingml/2006/main" xmlns:r="http://schemas.openxmlformats.org/officeDocument/2006/relationships" xmlns:p="http://schemas.openxmlformats.org/presentationml/2006/main" showMasterSp="0" showMasterPhAnim="0">
   <p:cSld>
     <p:spTree>
@@ -2188,6 +2068,133 @@
         </p:txBody>
       </p:sp>
     </p:spTree>
+  </p:cSld>
+  <p:clrMapOvr>
+    <a:masterClrMapping/>
+  </p:clrMapOvr>
+</p:notes>
+</file>
+
+<file path=ppt/notesSlides/notesSlide19.xml><?xml version="1.0" encoding="utf-8"?>
+<p:notes xmlns:a="http://schemas.openxmlformats.org/drawingml/2006/main" xmlns:r="http://schemas.openxmlformats.org/officeDocument/2006/relationships" xmlns:p="http://schemas.openxmlformats.org/presentationml/2006/main" showMasterSp="0" showMasterPhAnim="0">
+  <p:cSld>
+    <p:spTree>
+      <p:nvGrpSpPr>
+        <p:cNvPr id="1" name="Shape 211"/>
+        <p:cNvGrpSpPr/>
+        <p:nvPr/>
+      </p:nvGrpSpPr>
+      <p:grpSpPr>
+        <a:xfrm>
+          <a:off x="0" y="0"/>
+          <a:ext cx="0" cy="0"/>
+          <a:chOff x="0" y="0"/>
+          <a:chExt cx="0" cy="0"/>
+        </a:xfrm>
+      </p:grpSpPr>
+      <p:sp>
+        <p:nvSpPr>
+          <p:cNvPr id="212" name="Google Shape;212;p23:notes"/>
+          <p:cNvSpPr>
+            <a:spLocks noGrp="1" noRot="1" noChangeAspect="1"/>
+          </p:cNvSpPr>
+          <p:nvPr>
+            <p:ph type="sldImg" idx="2"/>
+          </p:nvPr>
+        </p:nvSpPr>
+        <p:spPr>
+          <a:xfrm>
+            <a:off x="381000" y="685800"/>
+            <a:ext cx="6096000" cy="3429000"/>
+          </a:xfrm>
+          <a:custGeom>
+            <a:avLst/>
+            <a:gdLst/>
+            <a:ahLst/>
+            <a:cxnLst/>
+            <a:rect l="l" t="t" r="r" b="b"/>
+            <a:pathLst>
+              <a:path w="120000" h="120000" extrusionOk="0">
+                <a:moveTo>
+                  <a:pt x="0" y="0"/>
+                </a:moveTo>
+                <a:lnTo>
+                  <a:pt x="120000" y="0"/>
+                </a:lnTo>
+                <a:lnTo>
+                  <a:pt x="120000" y="120000"/>
+                </a:lnTo>
+                <a:lnTo>
+                  <a:pt x="0" y="120000"/>
+                </a:lnTo>
+                <a:close/>
+              </a:path>
+            </a:pathLst>
+          </a:custGeom>
+          <a:noFill/>
+          <a:ln w="9525" cap="flat" cmpd="sng">
+            <a:solidFill>
+              <a:srgbClr val="000000"/>
+            </a:solidFill>
+            <a:prstDash val="solid"/>
+            <a:round/>
+            <a:headEnd type="none" w="sm" len="sm"/>
+            <a:tailEnd type="none" w="sm" len="sm"/>
+          </a:ln>
+        </p:spPr>
+      </p:sp>
+      <p:sp>
+        <p:nvSpPr>
+          <p:cNvPr id="213" name="Google Shape;213;p23:notes"/>
+          <p:cNvSpPr txBox="1">
+            <a:spLocks noGrp="1"/>
+          </p:cNvSpPr>
+          <p:nvPr>
+            <p:ph type="body" idx="1"/>
+          </p:nvPr>
+        </p:nvSpPr>
+        <p:spPr>
+          <a:xfrm>
+            <a:off x="685800" y="4343400"/>
+            <a:ext cx="5486400" cy="4114800"/>
+          </a:xfrm>
+          <a:prstGeom prst="rect">
+            <a:avLst/>
+          </a:prstGeom>
+          <a:noFill/>
+          <a:ln>
+            <a:noFill/>
+          </a:ln>
+        </p:spPr>
+        <p:txBody>
+          <a:bodyPr spcFirstLastPara="1" wrap="square" lIns="91425" tIns="91425" rIns="91425" bIns="91425" anchor="t" anchorCtr="0">
+            <a:noAutofit/>
+          </a:bodyPr>
+          <a:lstStyle/>
+          <a:p>
+            <a:pPr marL="0" lvl="0" indent="0" algn="l" rtl="0">
+              <a:lnSpc>
+                <a:spcPct val="100000"/>
+              </a:lnSpc>
+              <a:spcBef>
+                <a:spcPts val="0"/>
+              </a:spcBef>
+              <a:spcAft>
+                <a:spcPts val="0"/>
+              </a:spcAft>
+              <a:buSzPts val="1100"/>
+              <a:buNone/>
+            </a:pPr>
+            <a:endParaRPr/>
+          </a:p>
+        </p:txBody>
+      </p:sp>
+    </p:spTree>
+    <p:extLst>
+      <p:ext uri="{BB962C8B-B14F-4D97-AF65-F5344CB8AC3E}">
+        <p14:creationId xmlns:p14="http://schemas.microsoft.com/office/powerpoint/2010/main" val="2041341453"/>
+      </p:ext>
+    </p:extLst>
   </p:cSld>
   <p:clrMapOvr>
     <a:masterClrMapping/>
@@ -2317,251 +2324,7 @@
 </p:notes>
 </file>
 
-<file path=ppt/notesSlides/notesSlide20.xml><?xml version="1.0" encoding="utf-8"?>
-<p:notes xmlns:a="http://schemas.openxmlformats.org/drawingml/2006/main" xmlns:r="http://schemas.openxmlformats.org/officeDocument/2006/relationships" xmlns:p="http://schemas.openxmlformats.org/presentationml/2006/main" showMasterSp="0" showMasterPhAnim="0">
-  <p:cSld>
-    <p:spTree>
-      <p:nvGrpSpPr>
-        <p:cNvPr id="1" name="Shape 219"/>
-        <p:cNvGrpSpPr/>
-        <p:nvPr/>
-      </p:nvGrpSpPr>
-      <p:grpSpPr>
-        <a:xfrm>
-          <a:off x="0" y="0"/>
-          <a:ext cx="0" cy="0"/>
-          <a:chOff x="0" y="0"/>
-          <a:chExt cx="0" cy="0"/>
-        </a:xfrm>
-      </p:grpSpPr>
-      <p:sp>
-        <p:nvSpPr>
-          <p:cNvPr id="220" name="Google Shape;220;p24:notes"/>
-          <p:cNvSpPr>
-            <a:spLocks noGrp="1" noRot="1" noChangeAspect="1"/>
-          </p:cNvSpPr>
-          <p:nvPr>
-            <p:ph type="sldImg" idx="2"/>
-          </p:nvPr>
-        </p:nvSpPr>
-        <p:spPr>
-          <a:xfrm>
-            <a:off x="381300" y="685800"/>
-            <a:ext cx="6096000" cy="3429000"/>
-          </a:xfrm>
-          <a:custGeom>
-            <a:avLst/>
-            <a:gdLst/>
-            <a:ahLst/>
-            <a:cxnLst/>
-            <a:rect l="l" t="t" r="r" b="b"/>
-            <a:pathLst>
-              <a:path w="120000" h="120000" extrusionOk="0">
-                <a:moveTo>
-                  <a:pt x="0" y="0"/>
-                </a:moveTo>
-                <a:lnTo>
-                  <a:pt x="120000" y="0"/>
-                </a:lnTo>
-                <a:lnTo>
-                  <a:pt x="120000" y="120000"/>
-                </a:lnTo>
-                <a:lnTo>
-                  <a:pt x="0" y="120000"/>
-                </a:lnTo>
-                <a:close/>
-              </a:path>
-            </a:pathLst>
-          </a:custGeom>
-          <a:noFill/>
-          <a:ln w="9525" cap="flat" cmpd="sng">
-            <a:solidFill>
-              <a:srgbClr val="000000"/>
-            </a:solidFill>
-            <a:prstDash val="solid"/>
-            <a:round/>
-            <a:headEnd type="none" w="sm" len="sm"/>
-            <a:tailEnd type="none" w="sm" len="sm"/>
-          </a:ln>
-        </p:spPr>
-      </p:sp>
-      <p:sp>
-        <p:nvSpPr>
-          <p:cNvPr id="221" name="Google Shape;221;p24:notes"/>
-          <p:cNvSpPr txBox="1">
-            <a:spLocks noGrp="1"/>
-          </p:cNvSpPr>
-          <p:nvPr>
-            <p:ph type="body" idx="1"/>
-          </p:nvPr>
-        </p:nvSpPr>
-        <p:spPr>
-          <a:xfrm>
-            <a:off x="685800" y="4343400"/>
-            <a:ext cx="5486400" cy="4114800"/>
-          </a:xfrm>
-          <a:prstGeom prst="rect">
-            <a:avLst/>
-          </a:prstGeom>
-          <a:noFill/>
-          <a:ln>
-            <a:noFill/>
-          </a:ln>
-        </p:spPr>
-        <p:txBody>
-          <a:bodyPr spcFirstLastPara="1" wrap="square" lIns="91425" tIns="91425" rIns="91425" bIns="91425" anchor="t" anchorCtr="0">
-            <a:noAutofit/>
-          </a:bodyPr>
-          <a:lstStyle/>
-          <a:p>
-            <a:pPr marL="0" lvl="0" indent="0" algn="l" rtl="0">
-              <a:lnSpc>
-                <a:spcPct val="100000"/>
-              </a:lnSpc>
-              <a:spcBef>
-                <a:spcPts val="0"/>
-              </a:spcBef>
-              <a:spcAft>
-                <a:spcPts val="0"/>
-              </a:spcAft>
-              <a:buSzPts val="1100"/>
-              <a:buNone/>
-            </a:pPr>
-            <a:endParaRPr/>
-          </a:p>
-        </p:txBody>
-      </p:sp>
-    </p:spTree>
-  </p:cSld>
-  <p:clrMapOvr>
-    <a:masterClrMapping/>
-  </p:clrMapOvr>
-</p:notes>
-</file>
-
 <file path=ppt/notesSlides/notesSlide3.xml><?xml version="1.0" encoding="utf-8"?>
-<p:notes xmlns:a="http://schemas.openxmlformats.org/drawingml/2006/main" xmlns:r="http://schemas.openxmlformats.org/officeDocument/2006/relationships" xmlns:p="http://schemas.openxmlformats.org/presentationml/2006/main" showMasterSp="0" showMasterPhAnim="0">
-  <p:cSld>
-    <p:spTree>
-      <p:nvGrpSpPr>
-        <p:cNvPr id="1" name="Shape 75"/>
-        <p:cNvGrpSpPr/>
-        <p:nvPr/>
-      </p:nvGrpSpPr>
-      <p:grpSpPr>
-        <a:xfrm>
-          <a:off x="0" y="0"/>
-          <a:ext cx="0" cy="0"/>
-          <a:chOff x="0" y="0"/>
-          <a:chExt cx="0" cy="0"/>
-        </a:xfrm>
-      </p:grpSpPr>
-      <p:sp>
-        <p:nvSpPr>
-          <p:cNvPr id="76" name="Google Shape;76;p4:notes"/>
-          <p:cNvSpPr>
-            <a:spLocks noGrp="1" noRot="1" noChangeAspect="1"/>
-          </p:cNvSpPr>
-          <p:nvPr>
-            <p:ph type="sldImg" idx="2"/>
-          </p:nvPr>
-        </p:nvSpPr>
-        <p:spPr>
-          <a:xfrm>
-            <a:off x="381300" y="685800"/>
-            <a:ext cx="6096000" cy="3429000"/>
-          </a:xfrm>
-          <a:custGeom>
-            <a:avLst/>
-            <a:gdLst/>
-            <a:ahLst/>
-            <a:cxnLst/>
-            <a:rect l="l" t="t" r="r" b="b"/>
-            <a:pathLst>
-              <a:path w="120000" h="120000" extrusionOk="0">
-                <a:moveTo>
-                  <a:pt x="0" y="0"/>
-                </a:moveTo>
-                <a:lnTo>
-                  <a:pt x="120000" y="0"/>
-                </a:lnTo>
-                <a:lnTo>
-                  <a:pt x="120000" y="120000"/>
-                </a:lnTo>
-                <a:lnTo>
-                  <a:pt x="0" y="120000"/>
-                </a:lnTo>
-                <a:close/>
-              </a:path>
-            </a:pathLst>
-          </a:custGeom>
-          <a:noFill/>
-          <a:ln w="9525" cap="flat" cmpd="sng">
-            <a:solidFill>
-              <a:srgbClr val="000000"/>
-            </a:solidFill>
-            <a:prstDash val="solid"/>
-            <a:round/>
-            <a:headEnd type="none" w="sm" len="sm"/>
-            <a:tailEnd type="none" w="sm" len="sm"/>
-          </a:ln>
-        </p:spPr>
-      </p:sp>
-      <p:sp>
-        <p:nvSpPr>
-          <p:cNvPr id="77" name="Google Shape;77;p4:notes"/>
-          <p:cNvSpPr txBox="1">
-            <a:spLocks noGrp="1"/>
-          </p:cNvSpPr>
-          <p:nvPr>
-            <p:ph type="body" idx="1"/>
-          </p:nvPr>
-        </p:nvSpPr>
-        <p:spPr>
-          <a:xfrm>
-            <a:off x="685800" y="4343400"/>
-            <a:ext cx="5486400" cy="4114800"/>
-          </a:xfrm>
-          <a:prstGeom prst="rect">
-            <a:avLst/>
-          </a:prstGeom>
-          <a:noFill/>
-          <a:ln>
-            <a:noFill/>
-          </a:ln>
-        </p:spPr>
-        <p:txBody>
-          <a:bodyPr spcFirstLastPara="1" wrap="square" lIns="91425" tIns="91425" rIns="91425" bIns="91425" anchor="t" anchorCtr="0">
-            <a:noAutofit/>
-          </a:bodyPr>
-          <a:lstStyle/>
-          <a:p>
-            <a:pPr marL="0" lvl="0" indent="0" algn="l" rtl="0">
-              <a:lnSpc>
-                <a:spcPct val="100000"/>
-              </a:lnSpc>
-              <a:spcBef>
-                <a:spcPts val="0"/>
-              </a:spcBef>
-              <a:spcAft>
-                <a:spcPts val="0"/>
-              </a:spcAft>
-              <a:buSzPts val="1100"/>
-              <a:buNone/>
-            </a:pPr>
-            <a:endParaRPr/>
-          </a:p>
-        </p:txBody>
-      </p:sp>
-    </p:spTree>
-  </p:cSld>
-  <p:clrMapOvr>
-    <a:masterClrMapping/>
-  </p:clrMapOvr>
-</p:notes>
-</file>
-
-<file path=ppt/notesSlides/notesSlide4.xml><?xml version="1.0" encoding="utf-8"?>
 <p:notes xmlns:a="http://schemas.openxmlformats.org/drawingml/2006/main" xmlns:r="http://schemas.openxmlformats.org/officeDocument/2006/relationships" xmlns:p="http://schemas.openxmlformats.org/presentationml/2006/main" showMasterSp="0" showMasterPhAnim="0">
   <p:cSld>
     <p:spTree>
@@ -2683,7 +2446,7 @@
 </p:notes>
 </file>
 
-<file path=ppt/notesSlides/notesSlide5.xml><?xml version="1.0" encoding="utf-8"?>
+<file path=ppt/notesSlides/notesSlide4.xml><?xml version="1.0" encoding="utf-8"?>
 <p:notes xmlns:a="http://schemas.openxmlformats.org/drawingml/2006/main" xmlns:r="http://schemas.openxmlformats.org/officeDocument/2006/relationships" xmlns:p="http://schemas.openxmlformats.org/presentationml/2006/main" showMasterSp="0" showMasterPhAnim="0">
   <p:cSld>
     <p:spTree>
@@ -2805,7 +2568,7 @@
 </p:notes>
 </file>
 
-<file path=ppt/notesSlides/notesSlide6.xml><?xml version="1.0" encoding="utf-8"?>
+<file path=ppt/notesSlides/notesSlide5.xml><?xml version="1.0" encoding="utf-8"?>
 <p:notes xmlns:a="http://schemas.openxmlformats.org/drawingml/2006/main" xmlns:r="http://schemas.openxmlformats.org/officeDocument/2006/relationships" xmlns:p="http://schemas.openxmlformats.org/presentationml/2006/main" showMasterSp="0" showMasterPhAnim="0">
   <p:cSld>
     <p:spTree>
@@ -2927,7 +2690,7 @@
 </p:notes>
 </file>
 
-<file path=ppt/notesSlides/notesSlide7.xml><?xml version="1.0" encoding="utf-8"?>
+<file path=ppt/notesSlides/notesSlide6.xml><?xml version="1.0" encoding="utf-8"?>
 <p:notes xmlns:a="http://schemas.openxmlformats.org/drawingml/2006/main" xmlns:r="http://schemas.openxmlformats.org/officeDocument/2006/relationships" xmlns:p="http://schemas.openxmlformats.org/presentationml/2006/main" showMasterSp="0" showMasterPhAnim="0">
   <p:cSld>
     <p:spTree>
@@ -3049,7 +2812,7 @@
 </p:notes>
 </file>
 
-<file path=ppt/notesSlides/notesSlide8.xml><?xml version="1.0" encoding="utf-8"?>
+<file path=ppt/notesSlides/notesSlide7.xml><?xml version="1.0" encoding="utf-8"?>
 <p:notes xmlns:a="http://schemas.openxmlformats.org/drawingml/2006/main" xmlns:r="http://schemas.openxmlformats.org/officeDocument/2006/relationships" xmlns:p="http://schemas.openxmlformats.org/presentationml/2006/main" showMasterSp="0" showMasterPhAnim="0">
   <p:cSld>
     <p:spTree>
@@ -3171,7 +2934,7 @@
 </p:notes>
 </file>
 
-<file path=ppt/notesSlides/notesSlide9.xml><?xml version="1.0" encoding="utf-8"?>
+<file path=ppt/notesSlides/notesSlide8.xml><?xml version="1.0" encoding="utf-8"?>
 <p:notes xmlns:a="http://schemas.openxmlformats.org/drawingml/2006/main" xmlns:r="http://schemas.openxmlformats.org/officeDocument/2006/relationships" xmlns:p="http://schemas.openxmlformats.org/presentationml/2006/main" showMasterSp="0" showMasterPhAnim="0">
   <p:cSld>
     <p:spTree>
@@ -3242,6 +3005,128 @@
       <p:sp>
         <p:nvSpPr>
           <p:cNvPr id="121" name="Google Shape;121;p10:notes"/>
+          <p:cNvSpPr txBox="1">
+            <a:spLocks noGrp="1"/>
+          </p:cNvSpPr>
+          <p:nvPr>
+            <p:ph type="body" idx="1"/>
+          </p:nvPr>
+        </p:nvSpPr>
+        <p:spPr>
+          <a:xfrm>
+            <a:off x="685800" y="4343400"/>
+            <a:ext cx="5486400" cy="4114800"/>
+          </a:xfrm>
+          <a:prstGeom prst="rect">
+            <a:avLst/>
+          </a:prstGeom>
+          <a:noFill/>
+          <a:ln>
+            <a:noFill/>
+          </a:ln>
+        </p:spPr>
+        <p:txBody>
+          <a:bodyPr spcFirstLastPara="1" wrap="square" lIns="91425" tIns="91425" rIns="91425" bIns="91425" anchor="t" anchorCtr="0">
+            <a:noAutofit/>
+          </a:bodyPr>
+          <a:lstStyle/>
+          <a:p>
+            <a:pPr marL="0" lvl="0" indent="0" algn="l" rtl="0">
+              <a:lnSpc>
+                <a:spcPct val="100000"/>
+              </a:lnSpc>
+              <a:spcBef>
+                <a:spcPts val="0"/>
+              </a:spcBef>
+              <a:spcAft>
+                <a:spcPts val="0"/>
+              </a:spcAft>
+              <a:buSzPts val="1100"/>
+              <a:buNone/>
+            </a:pPr>
+            <a:endParaRPr/>
+          </a:p>
+        </p:txBody>
+      </p:sp>
+    </p:spTree>
+  </p:cSld>
+  <p:clrMapOvr>
+    <a:masterClrMapping/>
+  </p:clrMapOvr>
+</p:notes>
+</file>
+
+<file path=ppt/notesSlides/notesSlide9.xml><?xml version="1.0" encoding="utf-8"?>
+<p:notes xmlns:a="http://schemas.openxmlformats.org/drawingml/2006/main" xmlns:r="http://schemas.openxmlformats.org/officeDocument/2006/relationships" xmlns:p="http://schemas.openxmlformats.org/presentationml/2006/main" showMasterSp="0" showMasterPhAnim="0">
+  <p:cSld>
+    <p:spTree>
+      <p:nvGrpSpPr>
+        <p:cNvPr id="1" name="Shape 129"/>
+        <p:cNvGrpSpPr/>
+        <p:nvPr/>
+      </p:nvGrpSpPr>
+      <p:grpSpPr>
+        <a:xfrm>
+          <a:off x="0" y="0"/>
+          <a:ext cx="0" cy="0"/>
+          <a:chOff x="0" y="0"/>
+          <a:chExt cx="0" cy="0"/>
+        </a:xfrm>
+      </p:grpSpPr>
+      <p:sp>
+        <p:nvSpPr>
+          <p:cNvPr id="130" name="Google Shape;130;p11:notes"/>
+          <p:cNvSpPr>
+            <a:spLocks noGrp="1" noRot="1" noChangeAspect="1"/>
+          </p:cNvSpPr>
+          <p:nvPr>
+            <p:ph type="sldImg" idx="2"/>
+          </p:nvPr>
+        </p:nvSpPr>
+        <p:spPr>
+          <a:xfrm>
+            <a:off x="381300" y="685800"/>
+            <a:ext cx="6096000" cy="3429000"/>
+          </a:xfrm>
+          <a:custGeom>
+            <a:avLst/>
+            <a:gdLst/>
+            <a:ahLst/>
+            <a:cxnLst/>
+            <a:rect l="l" t="t" r="r" b="b"/>
+            <a:pathLst>
+              <a:path w="120000" h="120000" extrusionOk="0">
+                <a:moveTo>
+                  <a:pt x="0" y="0"/>
+                </a:moveTo>
+                <a:lnTo>
+                  <a:pt x="120000" y="0"/>
+                </a:lnTo>
+                <a:lnTo>
+                  <a:pt x="120000" y="120000"/>
+                </a:lnTo>
+                <a:lnTo>
+                  <a:pt x="0" y="120000"/>
+                </a:lnTo>
+                <a:close/>
+              </a:path>
+            </a:pathLst>
+          </a:custGeom>
+          <a:noFill/>
+          <a:ln w="9525" cap="flat" cmpd="sng">
+            <a:solidFill>
+              <a:srgbClr val="000000"/>
+            </a:solidFill>
+            <a:prstDash val="solid"/>
+            <a:round/>
+            <a:headEnd type="none" w="sm" len="sm"/>
+            <a:tailEnd type="none" w="sm" len="sm"/>
+          </a:ln>
+        </p:spPr>
+      </p:sp>
+      <p:sp>
+        <p:nvSpPr>
+          <p:cNvPr id="131" name="Google Shape;131;p11:notes"/>
           <p:cNvSpPr txBox="1">
             <a:spLocks noGrp="1"/>
           </p:cNvSpPr>
@@ -11327,630 +11212,6 @@
     </p:bg>
     <p:spTree>
       <p:nvGrpSpPr>
-        <p:cNvPr id="1" name="Shape 132"/>
-        <p:cNvGrpSpPr/>
-        <p:nvPr/>
-      </p:nvGrpSpPr>
-      <p:grpSpPr>
-        <a:xfrm>
-          <a:off x="0" y="0"/>
-          <a:ext cx="0" cy="0"/>
-          <a:chOff x="0" y="0"/>
-          <a:chExt cx="0" cy="0"/>
-        </a:xfrm>
-      </p:grpSpPr>
-      <p:sp>
-        <p:nvSpPr>
-          <p:cNvPr id="133" name="Google Shape;133;p11"/>
-          <p:cNvSpPr txBox="1"/>
-          <p:nvPr/>
-        </p:nvSpPr>
-        <p:spPr>
-          <a:xfrm>
-            <a:off x="719375" y="842675"/>
-            <a:ext cx="7657200" cy="2654100"/>
-          </a:xfrm>
-          <a:prstGeom prst="rect">
-            <a:avLst/>
-          </a:prstGeom>
-          <a:noFill/>
-          <a:ln>
-            <a:noFill/>
-          </a:ln>
-        </p:spPr>
-        <p:txBody>
-          <a:bodyPr spcFirstLastPara="1" wrap="square" lIns="91425" tIns="91425" rIns="91425" bIns="91425" anchor="t" anchorCtr="0">
-            <a:noAutofit/>
-          </a:bodyPr>
-          <a:lstStyle/>
-          <a:p>
-            <a:pPr marL="0" marR="0" lvl="0" indent="0" algn="l" rtl="0">
-              <a:lnSpc>
-                <a:spcPct val="150000"/>
-              </a:lnSpc>
-              <a:spcBef>
-                <a:spcPts val="0"/>
-              </a:spcBef>
-              <a:spcAft>
-                <a:spcPts val="0"/>
-              </a:spcAft>
-              <a:buClr>
-                <a:srgbClr val="000000"/>
-              </a:buClr>
-              <a:buSzPts val="1100"/>
-              <a:buFont typeface="Arial"/>
-              <a:buNone/>
-            </a:pPr>
-            <a:r>
-              <a:rPr lang="en" sz="1800" b="1" i="0" u="none" strike="noStrike" cap="none">
-                <a:solidFill>
-                  <a:srgbClr val="2DC5FA"/>
-                </a:solidFill>
-                <a:latin typeface="Roboto"/>
-                <a:ea typeface="Roboto"/>
-                <a:cs typeface="Roboto"/>
-                <a:sym typeface="Roboto"/>
-              </a:rPr>
-              <a:t>GOODNESS OF FIT - FIT TO DISTRIBUTION</a:t>
-            </a:r>
-            <a:endParaRPr sz="1800" b="1" i="0" u="none" strike="noStrike" cap="none">
-              <a:solidFill>
-                <a:srgbClr val="2DC5FA"/>
-              </a:solidFill>
-              <a:latin typeface="Roboto"/>
-              <a:ea typeface="Roboto"/>
-              <a:cs typeface="Roboto"/>
-              <a:sym typeface="Roboto"/>
-            </a:endParaRPr>
-          </a:p>
-          <a:p>
-            <a:pPr marL="0" marR="0" lvl="0" indent="0" algn="l" rtl="0">
-              <a:lnSpc>
-                <a:spcPct val="150000"/>
-              </a:lnSpc>
-              <a:spcBef>
-                <a:spcPts val="0"/>
-              </a:spcBef>
-              <a:spcAft>
-                <a:spcPts val="0"/>
-              </a:spcAft>
-              <a:buClr>
-                <a:schemeClr val="dk1"/>
-              </a:buClr>
-              <a:buSzPts val="1100"/>
-              <a:buFont typeface="Arial"/>
-              <a:buNone/>
-            </a:pPr>
-            <a:endParaRPr sz="1100" b="0" i="0" u="none" strike="noStrike" cap="none">
-              <a:solidFill>
-                <a:schemeClr val="dk1"/>
-              </a:solidFill>
-              <a:latin typeface="Arial"/>
-              <a:ea typeface="Arial"/>
-              <a:cs typeface="Arial"/>
-              <a:sym typeface="Arial"/>
-            </a:endParaRPr>
-          </a:p>
-          <a:p>
-            <a:pPr marL="0" marR="0" lvl="0" indent="0" algn="l" rtl="0">
-              <a:lnSpc>
-                <a:spcPct val="150000"/>
-              </a:lnSpc>
-              <a:spcBef>
-                <a:spcPts val="0"/>
-              </a:spcBef>
-              <a:spcAft>
-                <a:spcPts val="0"/>
-              </a:spcAft>
-              <a:buClr>
-                <a:schemeClr val="dk1"/>
-              </a:buClr>
-              <a:buSzPts val="1100"/>
-              <a:buFont typeface="Arial"/>
-              <a:buNone/>
-            </a:pPr>
-            <a:r>
-              <a:rPr lang="en" sz="1100" b="0" i="0" u="none" strike="noStrike" cap="none">
-                <a:solidFill>
-                  <a:schemeClr val="dk1"/>
-                </a:solidFill>
-                <a:latin typeface="Arial"/>
-                <a:ea typeface="Arial"/>
-                <a:cs typeface="Arial"/>
-                <a:sym typeface="Arial"/>
-              </a:rPr>
-              <a:t>This statistic follows a Chi-squared distribution. Just like T-distributions, there is no single Chi-squared. Instead there is one for each 𝕟 (called degrees of freedom), but now 𝕟 does not stand for the number of observations -1. Instead it stands for the number of categories -1.</a:t>
-            </a:r>
-            <a:r>
-              <a:rPr lang="en" sz="1100">
-                <a:solidFill>
-                  <a:schemeClr val="dk1"/>
-                </a:solidFill>
-              </a:rPr>
-              <a:t> In</a:t>
-            </a:r>
-            <a:r>
-              <a:rPr lang="en" sz="1100" b="0" i="0" u="none" strike="noStrike" cap="none">
-                <a:solidFill>
-                  <a:schemeClr val="dk1"/>
-                </a:solidFill>
-                <a:latin typeface="Arial"/>
-                <a:ea typeface="Arial"/>
-                <a:cs typeface="Arial"/>
-                <a:sym typeface="Arial"/>
-              </a:rPr>
-              <a:t> this case, our 𝕟=3-1=2</a:t>
-            </a:r>
-            <a:endParaRPr sz="1100" b="0" i="0" u="none" strike="noStrike" cap="none">
-              <a:solidFill>
-                <a:schemeClr val="dk1"/>
-              </a:solidFill>
-              <a:latin typeface="Arial"/>
-              <a:ea typeface="Arial"/>
-              <a:cs typeface="Arial"/>
-              <a:sym typeface="Arial"/>
-            </a:endParaRPr>
-          </a:p>
-          <a:p>
-            <a:pPr marL="0" marR="0" lvl="0" indent="0" algn="l" rtl="0">
-              <a:lnSpc>
-                <a:spcPct val="150000"/>
-              </a:lnSpc>
-              <a:spcBef>
-                <a:spcPts val="0"/>
-              </a:spcBef>
-              <a:spcAft>
-                <a:spcPts val="0"/>
-              </a:spcAft>
-              <a:buClr>
-                <a:schemeClr val="dk1"/>
-              </a:buClr>
-              <a:buSzPts val="1100"/>
-              <a:buFont typeface="Arial"/>
-              <a:buNone/>
-            </a:pPr>
-            <a:endParaRPr sz="1100" b="0" i="0" u="none" strike="noStrike" cap="none">
-              <a:solidFill>
-                <a:schemeClr val="dk1"/>
-              </a:solidFill>
-              <a:latin typeface="Arial"/>
-              <a:ea typeface="Arial"/>
-              <a:cs typeface="Arial"/>
-              <a:sym typeface="Arial"/>
-            </a:endParaRPr>
-          </a:p>
-          <a:p>
-            <a:pPr marL="0" marR="0" lvl="0" indent="0" algn="l" rtl="0">
-              <a:lnSpc>
-                <a:spcPct val="150000"/>
-              </a:lnSpc>
-              <a:spcBef>
-                <a:spcPts val="0"/>
-              </a:spcBef>
-              <a:spcAft>
-                <a:spcPts val="0"/>
-              </a:spcAft>
-              <a:buClr>
-                <a:schemeClr val="dk1"/>
-              </a:buClr>
-              <a:buSzPts val="1100"/>
-              <a:buFont typeface="Arial"/>
-              <a:buNone/>
-            </a:pPr>
-            <a:endParaRPr sz="1100" b="0" i="0" u="none" strike="noStrike" cap="none">
-              <a:solidFill>
-                <a:schemeClr val="dk1"/>
-              </a:solidFill>
-              <a:latin typeface="Arial"/>
-              <a:ea typeface="Arial"/>
-              <a:cs typeface="Arial"/>
-              <a:sym typeface="Arial"/>
-            </a:endParaRPr>
-          </a:p>
-          <a:p>
-            <a:pPr marL="0" marR="0" lvl="0" indent="0" algn="l" rtl="0">
-              <a:lnSpc>
-                <a:spcPct val="150000"/>
-              </a:lnSpc>
-              <a:spcBef>
-                <a:spcPts val="0"/>
-              </a:spcBef>
-              <a:spcAft>
-                <a:spcPts val="0"/>
-              </a:spcAft>
-              <a:buClr>
-                <a:schemeClr val="dk1"/>
-              </a:buClr>
-              <a:buSzPts val="1100"/>
-              <a:buFont typeface="Arial"/>
-              <a:buNone/>
-            </a:pPr>
-            <a:endParaRPr sz="1100" b="1" i="0" u="none" strike="noStrike" cap="none">
-              <a:solidFill>
-                <a:schemeClr val="dk1"/>
-              </a:solidFill>
-              <a:latin typeface="Arial"/>
-              <a:ea typeface="Arial"/>
-              <a:cs typeface="Arial"/>
-              <a:sym typeface="Arial"/>
-            </a:endParaRPr>
-          </a:p>
-        </p:txBody>
-      </p:sp>
-      <p:pic>
-        <p:nvPicPr>
-          <p:cNvPr id="134" name="Google Shape;134;p11"/>
-          <p:cNvPicPr preferRelativeResize="0"/>
-          <p:nvPr/>
-        </p:nvPicPr>
-        <p:blipFill rotWithShape="1">
-          <a:blip r:embed="rId4">
-            <a:alphaModFix/>
-          </a:blip>
-          <a:srcRect/>
-          <a:stretch/>
-        </p:blipFill>
-        <p:spPr>
-          <a:xfrm>
-            <a:off x="-809150" y="3742975"/>
-            <a:ext cx="2599849" cy="2803224"/>
-          </a:xfrm>
-          <a:prstGeom prst="rect">
-            <a:avLst/>
-          </a:prstGeom>
-          <a:noFill/>
-          <a:ln>
-            <a:noFill/>
-          </a:ln>
-        </p:spPr>
-      </p:pic>
-      <p:pic>
-        <p:nvPicPr>
-          <p:cNvPr id="135" name="Google Shape;135;p11"/>
-          <p:cNvPicPr preferRelativeResize="0"/>
-          <p:nvPr/>
-        </p:nvPicPr>
-        <p:blipFill rotWithShape="1">
-          <a:blip r:embed="rId5">
-            <a:alphaModFix/>
-          </a:blip>
-          <a:srcRect/>
-          <a:stretch/>
-        </p:blipFill>
-        <p:spPr>
-          <a:xfrm>
-            <a:off x="782174" y="2723600"/>
-            <a:ext cx="2269101" cy="1698251"/>
-          </a:xfrm>
-          <a:prstGeom prst="rect">
-            <a:avLst/>
-          </a:prstGeom>
-          <a:noFill/>
-          <a:ln>
-            <a:noFill/>
-          </a:ln>
-        </p:spPr>
-      </p:pic>
-      <p:sp>
-        <p:nvSpPr>
-          <p:cNvPr id="136" name="Google Shape;136;p11"/>
-          <p:cNvSpPr txBox="1"/>
-          <p:nvPr/>
-        </p:nvSpPr>
-        <p:spPr>
-          <a:xfrm>
-            <a:off x="3239100" y="2418800"/>
-            <a:ext cx="5255700" cy="1698300"/>
-          </a:xfrm>
-          <a:prstGeom prst="rect">
-            <a:avLst/>
-          </a:prstGeom>
-          <a:noFill/>
-          <a:ln>
-            <a:noFill/>
-          </a:ln>
-        </p:spPr>
-        <p:txBody>
-          <a:bodyPr spcFirstLastPara="1" wrap="square" lIns="91425" tIns="91425" rIns="91425" bIns="91425" anchor="t" anchorCtr="0">
-            <a:noAutofit/>
-          </a:bodyPr>
-          <a:lstStyle/>
-          <a:p>
-            <a:pPr marL="0" marR="0" lvl="0" indent="0" algn="l" rtl="0">
-              <a:lnSpc>
-                <a:spcPct val="150000"/>
-              </a:lnSpc>
-              <a:spcBef>
-                <a:spcPts val="0"/>
-              </a:spcBef>
-              <a:spcAft>
-                <a:spcPts val="0"/>
-              </a:spcAft>
-              <a:buClr>
-                <a:srgbClr val="000000"/>
-              </a:buClr>
-              <a:buSzPts val="1100"/>
-              <a:buFont typeface="Arial"/>
-              <a:buNone/>
-            </a:pPr>
-            <a:r>
-              <a:rPr lang="en" sz="1100">
-                <a:solidFill>
-                  <a:schemeClr val="dk1"/>
-                </a:solidFill>
-              </a:rPr>
-              <a:t>We can get a p value with the function</a:t>
-            </a:r>
-            <a:r>
-              <a:rPr lang="en" sz="1100" b="0" i="0" u="none" strike="noStrike" cap="none">
-                <a:solidFill>
-                  <a:schemeClr val="dk1"/>
-                </a:solidFill>
-                <a:latin typeface="Arial"/>
-                <a:ea typeface="Arial"/>
-                <a:cs typeface="Arial"/>
-                <a:sym typeface="Arial"/>
-              </a:rPr>
-              <a:t> </a:t>
-            </a:r>
-            <a:endParaRPr sz="1100" b="0" i="0" u="none" strike="noStrike" cap="none">
-              <a:solidFill>
-                <a:schemeClr val="dk1"/>
-              </a:solidFill>
-              <a:latin typeface="Arial"/>
-              <a:ea typeface="Arial"/>
-              <a:cs typeface="Arial"/>
-              <a:sym typeface="Arial"/>
-            </a:endParaRPr>
-          </a:p>
-          <a:p>
-            <a:pPr marL="0" marR="114300" lvl="0" indent="0" algn="l" rtl="0">
-              <a:lnSpc>
-                <a:spcPct val="130769"/>
-              </a:lnSpc>
-              <a:spcBef>
-                <a:spcPts val="0"/>
-              </a:spcBef>
-              <a:spcAft>
-                <a:spcPts val="0"/>
-              </a:spcAft>
-              <a:buClr>
-                <a:srgbClr val="000000"/>
-              </a:buClr>
-              <a:buSzPts val="1000"/>
-              <a:buFont typeface="Arial"/>
-              <a:buNone/>
-            </a:pPr>
-            <a:r>
-              <a:rPr lang="en" sz="1000" b="0" i="0" u="none" strike="noStrike" cap="none">
-                <a:solidFill>
-                  <a:schemeClr val="dk1"/>
-                </a:solidFill>
-                <a:latin typeface="Courier New"/>
-                <a:ea typeface="Courier New"/>
-                <a:cs typeface="Courier New"/>
-                <a:sym typeface="Courier New"/>
-              </a:rPr>
-              <a:t>import scipy.stats as st </a:t>
-            </a:r>
-            <a:endParaRPr sz="1000" b="0" i="0" u="none" strike="noStrike" cap="none">
-              <a:solidFill>
-                <a:schemeClr val="dk1"/>
-              </a:solidFill>
-              <a:latin typeface="Courier New"/>
-              <a:ea typeface="Courier New"/>
-              <a:cs typeface="Courier New"/>
-              <a:sym typeface="Courier New"/>
-            </a:endParaRPr>
-          </a:p>
-          <a:p>
-            <a:pPr marL="0" marR="114300" lvl="0" indent="0" algn="l" rtl="0">
-              <a:lnSpc>
-                <a:spcPct val="130769"/>
-              </a:lnSpc>
-              <a:spcBef>
-                <a:spcPts val="0"/>
-              </a:spcBef>
-              <a:spcAft>
-                <a:spcPts val="0"/>
-              </a:spcAft>
-              <a:buClr>
-                <a:srgbClr val="000000"/>
-              </a:buClr>
-              <a:buSzPts val="1000"/>
-              <a:buFont typeface="Arial"/>
-              <a:buNone/>
-            </a:pPr>
-            <a:r>
-              <a:rPr lang="en" sz="1000" b="0" i="0" u="none" strike="noStrike" cap="none">
-                <a:solidFill>
-                  <a:schemeClr val="dk1"/>
-                </a:solidFill>
-                <a:latin typeface="Courier New"/>
-                <a:ea typeface="Courier New"/>
-                <a:cs typeface="Courier New"/>
-                <a:sym typeface="Courier New"/>
-              </a:rPr>
-              <a:t>st.chi2.sf(abs(stat),n)</a:t>
-            </a:r>
-            <a:endParaRPr sz="1000" b="0" i="0" u="none" strike="noStrike" cap="none">
-              <a:solidFill>
-                <a:schemeClr val="dk1"/>
-              </a:solidFill>
-              <a:latin typeface="Courier New"/>
-              <a:ea typeface="Courier New"/>
-              <a:cs typeface="Courier New"/>
-              <a:sym typeface="Courier New"/>
-            </a:endParaRPr>
-          </a:p>
-          <a:p>
-            <a:pPr marL="0" marR="0" lvl="0" indent="0" algn="l" rtl="0">
-              <a:lnSpc>
-                <a:spcPct val="150000"/>
-              </a:lnSpc>
-              <a:spcBef>
-                <a:spcPts val="0"/>
-              </a:spcBef>
-              <a:spcAft>
-                <a:spcPts val="0"/>
-              </a:spcAft>
-              <a:buClr>
-                <a:srgbClr val="000000"/>
-              </a:buClr>
-              <a:buSzPts val="1100"/>
-              <a:buFont typeface="Arial"/>
-              <a:buNone/>
-            </a:pPr>
-            <a:r>
-              <a:rPr lang="en" sz="1100">
-                <a:solidFill>
-                  <a:schemeClr val="dk1"/>
-                </a:solidFill>
-              </a:rPr>
-              <a:t>Or all of this can be abstracted away in the function</a:t>
-            </a:r>
-            <a:endParaRPr sz="1100">
-              <a:solidFill>
-                <a:schemeClr val="dk1"/>
-              </a:solidFill>
-            </a:endParaRPr>
-          </a:p>
-          <a:p>
-            <a:pPr marL="0" lvl="0" indent="0" algn="l" rtl="0">
-              <a:lnSpc>
-                <a:spcPct val="135714"/>
-              </a:lnSpc>
-              <a:spcBef>
-                <a:spcPts val="0"/>
-              </a:spcBef>
-              <a:spcAft>
-                <a:spcPts val="0"/>
-              </a:spcAft>
-              <a:buClr>
-                <a:schemeClr val="dk1"/>
-              </a:buClr>
-              <a:buSzPts val="1050"/>
-              <a:buFont typeface="Arial"/>
-              <a:buNone/>
-            </a:pPr>
-            <a:r>
-              <a:rPr lang="en" sz="1000">
-                <a:solidFill>
-                  <a:schemeClr val="dk1"/>
-                </a:solidFill>
-                <a:latin typeface="Courier New"/>
-                <a:ea typeface="Courier New"/>
-                <a:cs typeface="Courier New"/>
-                <a:sym typeface="Courier New"/>
-              </a:rPr>
-              <a:t>st.chisquare([120,80,100], f_exp=[120,90,90])</a:t>
-            </a:r>
-            <a:endParaRPr sz="1000">
-              <a:solidFill>
-                <a:schemeClr val="dk1"/>
-              </a:solidFill>
-              <a:latin typeface="Courier New"/>
-              <a:ea typeface="Courier New"/>
-              <a:cs typeface="Courier New"/>
-              <a:sym typeface="Courier New"/>
-            </a:endParaRPr>
-          </a:p>
-          <a:p>
-            <a:pPr marL="0" lvl="0" indent="0" algn="l" rtl="0">
-              <a:lnSpc>
-                <a:spcPct val="135714"/>
-              </a:lnSpc>
-              <a:spcBef>
-                <a:spcPts val="0"/>
-              </a:spcBef>
-              <a:spcAft>
-                <a:spcPts val="0"/>
-              </a:spcAft>
-              <a:buClr>
-                <a:schemeClr val="dk1"/>
-              </a:buClr>
-              <a:buSzPts val="1050"/>
-              <a:buFont typeface="Arial"/>
-              <a:buNone/>
-            </a:pPr>
-            <a:endParaRPr sz="1000">
-              <a:solidFill>
-                <a:schemeClr val="dk1"/>
-              </a:solidFill>
-              <a:latin typeface="Courier New"/>
-              <a:ea typeface="Courier New"/>
-              <a:cs typeface="Courier New"/>
-              <a:sym typeface="Courier New"/>
-            </a:endParaRPr>
-          </a:p>
-          <a:p>
-            <a:pPr marL="0" marR="0" lvl="0" indent="0" algn="l" rtl="0">
-              <a:lnSpc>
-                <a:spcPct val="150000"/>
-              </a:lnSpc>
-              <a:spcBef>
-                <a:spcPts val="0"/>
-              </a:spcBef>
-              <a:spcAft>
-                <a:spcPts val="0"/>
-              </a:spcAft>
-              <a:buClr>
-                <a:srgbClr val="000000"/>
-              </a:buClr>
-              <a:buSzPts val="1100"/>
-              <a:buFont typeface="Arial"/>
-              <a:buNone/>
-            </a:pPr>
-            <a:r>
-              <a:rPr lang="en" sz="1100" b="0" i="0" u="none" strike="noStrike" cap="none">
-                <a:solidFill>
-                  <a:schemeClr val="dk1"/>
-                </a:solidFill>
-                <a:latin typeface="Arial"/>
-                <a:ea typeface="Arial"/>
-                <a:cs typeface="Arial"/>
-                <a:sym typeface="Arial"/>
-              </a:rPr>
-              <a:t>In this case there are no considerations on one-tailed versus 2-tailed  😁</a:t>
-            </a:r>
-            <a:endParaRPr sz="1000" b="0" i="0" u="none" strike="noStrike" cap="none">
-              <a:solidFill>
-                <a:schemeClr val="dk1"/>
-              </a:solidFill>
-              <a:latin typeface="Courier New"/>
-              <a:ea typeface="Courier New"/>
-              <a:cs typeface="Courier New"/>
-              <a:sym typeface="Courier New"/>
-            </a:endParaRPr>
-          </a:p>
-        </p:txBody>
-      </p:sp>
-    </p:spTree>
-  </p:cSld>
-  <p:clrMapOvr>
-    <a:masterClrMapping/>
-  </p:clrMapOvr>
-</p:sld>
-</file>
-
-<file path=ppt/slides/slide11.xml><?xml version="1.0" encoding="utf-8"?>
-<p:sld xmlns:a="http://schemas.openxmlformats.org/drawingml/2006/main" xmlns:r="http://schemas.openxmlformats.org/officeDocument/2006/relationships" xmlns:p="http://schemas.openxmlformats.org/presentationml/2006/main">
-  <p:cSld>
-    <p:bg>
-      <p:bgPr>
-        <a:blipFill>
-          <a:blip r:embed="rId3">
-            <a:alphaModFix/>
-          </a:blip>
-          <a:stretch>
-            <a:fillRect/>
-          </a:stretch>
-        </a:blipFill>
-        <a:effectLst/>
-      </p:bgPr>
-    </p:bg>
-    <p:spTree>
-      <p:nvGrpSpPr>
         <p:cNvPr id="1" name="Shape 140"/>
         <p:cNvGrpSpPr/>
         <p:nvPr/>
@@ -12118,7 +11379,7 @@
 </p:sld>
 </file>
 
-<file path=ppt/slides/slide12.xml><?xml version="1.0" encoding="utf-8"?>
+<file path=ppt/slides/slide11.xml><?xml version="1.0" encoding="utf-8"?>
 <p:sld xmlns:a="http://schemas.openxmlformats.org/drawingml/2006/main" xmlns:r="http://schemas.openxmlformats.org/officeDocument/2006/relationships" xmlns:p="http://schemas.openxmlformats.org/presentationml/2006/main">
   <p:cSld>
     <p:bg>
@@ -12385,7 +11646,7 @@
 </p:sld>
 </file>
 
-<file path=ppt/slides/slide13.xml><?xml version="1.0" encoding="utf-8"?>
+<file path=ppt/slides/slide12.xml><?xml version="1.0" encoding="utf-8"?>
 <p:sld xmlns:a="http://schemas.openxmlformats.org/drawingml/2006/main" xmlns:r="http://schemas.openxmlformats.org/officeDocument/2006/relationships" xmlns:p="http://schemas.openxmlformats.org/presentationml/2006/main">
   <p:cSld>
     <p:bg>
@@ -13290,7 +12551,7 @@
 </p:sld>
 </file>
 
-<file path=ppt/slides/slide14.xml><?xml version="1.0" encoding="utf-8"?>
+<file path=ppt/slides/slide13.xml><?xml version="1.0" encoding="utf-8"?>
 <p:sld xmlns:a="http://schemas.openxmlformats.org/drawingml/2006/main" xmlns:r="http://schemas.openxmlformats.org/officeDocument/2006/relationships" xmlns:p="http://schemas.openxmlformats.org/presentationml/2006/main">
   <p:cSld>
     <p:bg>
@@ -15066,7 +14327,7 @@
 </p:sld>
 </file>
 
-<file path=ppt/slides/slide15.xml><?xml version="1.0" encoding="utf-8"?>
+<file path=ppt/slides/slide14.xml><?xml version="1.0" encoding="utf-8"?>
 <p:sld xmlns:a="http://schemas.openxmlformats.org/drawingml/2006/main" xmlns:r="http://schemas.openxmlformats.org/officeDocument/2006/relationships" xmlns:p="http://schemas.openxmlformats.org/presentationml/2006/main">
   <p:cSld>
     <p:bg>
@@ -16709,7 +15970,7 @@
 </p:sld>
 </file>
 
-<file path=ppt/slides/slide16.xml><?xml version="1.0" encoding="utf-8"?>
+<file path=ppt/slides/slide15.xml><?xml version="1.0" encoding="utf-8"?>
 <p:sld xmlns:a="http://schemas.openxmlformats.org/drawingml/2006/main" xmlns:r="http://schemas.openxmlformats.org/officeDocument/2006/relationships" xmlns:p="http://schemas.openxmlformats.org/presentationml/2006/main">
   <p:cSld>
     <p:bg>
@@ -18747,7 +18008,7 @@
 </p:sld>
 </file>
 
-<file path=ppt/slides/slide17.xml><?xml version="1.0" encoding="utf-8"?>
+<file path=ppt/slides/slide16.xml><?xml version="1.0" encoding="utf-8"?>
 <p:sld xmlns:a="http://schemas.openxmlformats.org/drawingml/2006/main" xmlns:r="http://schemas.openxmlformats.org/officeDocument/2006/relationships" xmlns:p="http://schemas.openxmlformats.org/presentationml/2006/main">
   <p:cSld>
     <p:bg>
@@ -20817,7 +20078,7 @@
 </p:sld>
 </file>
 
-<file path=ppt/slides/slide18.xml><?xml version="1.0" encoding="utf-8"?>
+<file path=ppt/slides/slide17.xml><?xml version="1.0" encoding="utf-8"?>
 <p:sld xmlns:a="http://schemas.openxmlformats.org/drawingml/2006/main" xmlns:r="http://schemas.openxmlformats.org/officeDocument/2006/relationships" xmlns:p="http://schemas.openxmlformats.org/presentationml/2006/main">
   <p:cSld>
     <p:bg>
@@ -23405,7 +22666,7 @@
 </p:sld>
 </file>
 
-<file path=ppt/slides/slide19.xml><?xml version="1.0" encoding="utf-8"?>
+<file path=ppt/slides/slide18.xml><?xml version="1.0" encoding="utf-8"?>
 <p:sld xmlns:a="http://schemas.openxmlformats.org/drawingml/2006/main" xmlns:r="http://schemas.openxmlformats.org/officeDocument/2006/relationships" xmlns:p="http://schemas.openxmlformats.org/presentationml/2006/main">
   <p:cSld>
     <p:bg>
@@ -23989,6 +23250,917 @@
 </p:sld>
 </file>
 
+<file path=ppt/slides/slide19.xml><?xml version="1.0" encoding="utf-8"?>
+<p:sld xmlns:a="http://schemas.openxmlformats.org/drawingml/2006/main" xmlns:r="http://schemas.openxmlformats.org/officeDocument/2006/relationships" xmlns:p="http://schemas.openxmlformats.org/presentationml/2006/main">
+  <p:cSld>
+    <p:bg>
+      <p:bgPr>
+        <a:blipFill>
+          <a:blip r:embed="rId3">
+            <a:alphaModFix/>
+          </a:blip>
+          <a:stretch>
+            <a:fillRect/>
+          </a:stretch>
+        </a:blipFill>
+        <a:effectLst/>
+      </p:bgPr>
+    </p:bg>
+    <p:spTree>
+      <p:nvGrpSpPr>
+        <p:cNvPr id="1" name="Shape 214"/>
+        <p:cNvGrpSpPr/>
+        <p:nvPr/>
+      </p:nvGrpSpPr>
+      <p:grpSpPr>
+        <a:xfrm>
+          <a:off x="0" y="0"/>
+          <a:ext cx="0" cy="0"/>
+          <a:chOff x="0" y="0"/>
+          <a:chExt cx="0" cy="0"/>
+        </a:xfrm>
+      </p:grpSpPr>
+      <p:sp>
+        <p:nvSpPr>
+          <p:cNvPr id="215" name="Google Shape;215;p23"/>
+          <p:cNvSpPr txBox="1"/>
+          <p:nvPr/>
+        </p:nvSpPr>
+        <p:spPr>
+          <a:xfrm>
+            <a:off x="719375" y="842675"/>
+            <a:ext cx="7657200" cy="2654100"/>
+          </a:xfrm>
+          <a:prstGeom prst="rect">
+            <a:avLst/>
+          </a:prstGeom>
+          <a:noFill/>
+          <a:ln>
+            <a:noFill/>
+          </a:ln>
+        </p:spPr>
+        <p:txBody>
+          <a:bodyPr spcFirstLastPara="1" wrap="square" lIns="91425" tIns="91425" rIns="91425" bIns="91425" anchor="t" anchorCtr="0">
+            <a:noAutofit/>
+          </a:bodyPr>
+          <a:lstStyle/>
+          <a:p>
+            <a:pPr marL="0" marR="0" lvl="0" indent="0" algn="l" rtl="0">
+              <a:lnSpc>
+                <a:spcPct val="150000"/>
+              </a:lnSpc>
+              <a:spcBef>
+                <a:spcPts val="0"/>
+              </a:spcBef>
+              <a:spcAft>
+                <a:spcPts val="0"/>
+              </a:spcAft>
+              <a:buClr>
+                <a:srgbClr val="000000"/>
+              </a:buClr>
+              <a:buSzPts val="1100"/>
+              <a:buFont typeface="Arial"/>
+              <a:buNone/>
+            </a:pPr>
+            <a:r>
+              <a:rPr lang="en" sz="1800" b="1" i="0" u="none" strike="noStrike" cap="none" dirty="0">
+                <a:solidFill>
+                  <a:srgbClr val="2DC5FA"/>
+                </a:solidFill>
+                <a:latin typeface="Roboto"/>
+                <a:ea typeface="Roboto"/>
+                <a:cs typeface="Roboto"/>
+                <a:sym typeface="Roboto"/>
+              </a:rPr>
+              <a:t>GOODNESS OF FIT - FIT TO DISTRIBUTION</a:t>
+            </a:r>
+            <a:endParaRPr sz="1800" b="1" i="0" u="none" strike="noStrike" cap="none" dirty="0">
+              <a:solidFill>
+                <a:srgbClr val="2DC5FA"/>
+              </a:solidFill>
+              <a:latin typeface="Roboto"/>
+              <a:ea typeface="Roboto"/>
+              <a:cs typeface="Roboto"/>
+              <a:sym typeface="Roboto"/>
+            </a:endParaRPr>
+          </a:p>
+          <a:p>
+            <a:pPr marL="0" marR="0" lvl="0" indent="0" algn="l" rtl="0">
+              <a:lnSpc>
+                <a:spcPct val="150000"/>
+              </a:lnSpc>
+              <a:spcBef>
+                <a:spcPts val="0"/>
+              </a:spcBef>
+              <a:spcAft>
+                <a:spcPts val="0"/>
+              </a:spcAft>
+              <a:buClr>
+                <a:schemeClr val="dk1"/>
+              </a:buClr>
+              <a:buSzPts val="1100"/>
+              <a:buFont typeface="Arial"/>
+              <a:buNone/>
+            </a:pPr>
+            <a:endParaRPr sz="1100" b="0" i="0" u="none" strike="noStrike" cap="none" dirty="0">
+              <a:solidFill>
+                <a:schemeClr val="dk1"/>
+              </a:solidFill>
+              <a:latin typeface="Arial"/>
+              <a:ea typeface="Arial"/>
+              <a:cs typeface="Arial"/>
+              <a:sym typeface="Arial"/>
+            </a:endParaRPr>
+          </a:p>
+          <a:p>
+            <a:pPr marL="0" marR="0" lvl="0" indent="0" algn="l" rtl="0">
+              <a:lnSpc>
+                <a:spcPct val="150000"/>
+              </a:lnSpc>
+              <a:spcBef>
+                <a:spcPts val="0"/>
+              </a:spcBef>
+              <a:spcAft>
+                <a:spcPts val="0"/>
+              </a:spcAft>
+              <a:buClr>
+                <a:schemeClr val="dk1"/>
+              </a:buClr>
+              <a:buSzPts val="1100"/>
+              <a:buFont typeface="Arial"/>
+              <a:buNone/>
+            </a:pPr>
+            <a:endParaRPr sz="1100" b="0" i="0" u="none" strike="noStrike" cap="none" dirty="0">
+              <a:solidFill>
+                <a:schemeClr val="dk1"/>
+              </a:solidFill>
+              <a:latin typeface="Arial"/>
+              <a:ea typeface="Arial"/>
+              <a:cs typeface="Arial"/>
+              <a:sym typeface="Arial"/>
+            </a:endParaRPr>
+          </a:p>
+          <a:p>
+            <a:pPr marL="0" marR="0" lvl="0" indent="0" algn="l" rtl="0">
+              <a:lnSpc>
+                <a:spcPct val="150000"/>
+              </a:lnSpc>
+              <a:spcBef>
+                <a:spcPts val="0"/>
+              </a:spcBef>
+              <a:spcAft>
+                <a:spcPts val="0"/>
+              </a:spcAft>
+              <a:buClr>
+                <a:schemeClr val="dk1"/>
+              </a:buClr>
+              <a:buSzPts val="1100"/>
+              <a:buFont typeface="Arial"/>
+              <a:buNone/>
+            </a:pPr>
+            <a:endParaRPr sz="1100" b="1" i="0" u="none" strike="noStrike" cap="none" dirty="0">
+              <a:solidFill>
+                <a:schemeClr val="dk1"/>
+              </a:solidFill>
+              <a:latin typeface="Arial"/>
+              <a:ea typeface="Arial"/>
+              <a:cs typeface="Arial"/>
+              <a:sym typeface="Arial"/>
+            </a:endParaRPr>
+          </a:p>
+        </p:txBody>
+      </p:sp>
+      <p:pic>
+        <p:nvPicPr>
+          <p:cNvPr id="216" name="Google Shape;216;p23"/>
+          <p:cNvPicPr preferRelativeResize="0"/>
+          <p:nvPr/>
+        </p:nvPicPr>
+        <p:blipFill rotWithShape="1">
+          <a:blip r:embed="rId4">
+            <a:alphaModFix/>
+          </a:blip>
+          <a:srcRect/>
+          <a:stretch/>
+        </p:blipFill>
+        <p:spPr>
+          <a:xfrm>
+            <a:off x="-809150" y="3742975"/>
+            <a:ext cx="2599849" cy="2803224"/>
+          </a:xfrm>
+          <a:prstGeom prst="rect">
+            <a:avLst/>
+          </a:prstGeom>
+          <a:noFill/>
+          <a:ln>
+            <a:noFill/>
+          </a:ln>
+        </p:spPr>
+      </p:pic>
+      <p:sp>
+        <p:nvSpPr>
+          <p:cNvPr id="218" name="Google Shape;218;p23"/>
+          <p:cNvSpPr txBox="1"/>
+          <p:nvPr/>
+        </p:nvSpPr>
+        <p:spPr>
+          <a:xfrm>
+            <a:off x="767425" y="1400525"/>
+            <a:ext cx="7777861" cy="3109911"/>
+          </a:xfrm>
+          <a:prstGeom prst="rect">
+            <a:avLst/>
+          </a:prstGeom>
+          <a:noFill/>
+          <a:ln>
+            <a:noFill/>
+          </a:ln>
+        </p:spPr>
+        <p:txBody>
+          <a:bodyPr spcFirstLastPara="1" wrap="square" lIns="91425" tIns="91425" rIns="91425" bIns="91425" anchor="t" anchorCtr="0">
+            <a:noAutofit/>
+          </a:bodyPr>
+          <a:lstStyle/>
+          <a:p>
+            <a:r>
+              <a:rPr lang="en-GB" sz="800" b="0" dirty="0">
+                <a:solidFill>
+                  <a:srgbClr val="008000"/>
+                </a:solidFill>
+                <a:effectLst/>
+                <a:highlight>
+                  <a:srgbClr val="FFFFFF"/>
+                </a:highlight>
+                <a:latin typeface="Menlo" panose="020B0609030804020204" pitchFamily="49" charset="0"/>
+              </a:rPr>
+              <a:t># H0 is that the variables are independent; H1 is that they are not.</a:t>
+            </a:r>
+            <a:endParaRPr lang="en-GB" sz="800" b="0" dirty="0">
+              <a:solidFill>
+                <a:srgbClr val="000000"/>
+              </a:solidFill>
+              <a:effectLst/>
+              <a:highlight>
+                <a:srgbClr val="FFFFFF"/>
+              </a:highlight>
+              <a:latin typeface="Menlo" panose="020B0609030804020204" pitchFamily="49" charset="0"/>
+            </a:endParaRPr>
+          </a:p>
+          <a:p>
+            <a:r>
+              <a:rPr lang="en-GB" sz="800" b="0" dirty="0">
+                <a:solidFill>
+                  <a:srgbClr val="008000"/>
+                </a:solidFill>
+                <a:effectLst/>
+                <a:highlight>
+                  <a:srgbClr val="FFFFFF"/>
+                </a:highlight>
+                <a:latin typeface="Menlo" panose="020B0609030804020204" pitchFamily="49" charset="0"/>
+              </a:rPr>
+              <a:t># Lets reject H0 in order to say that the variables cannot be independent</a:t>
+            </a:r>
+            <a:endParaRPr lang="en-GB" sz="800" b="0" dirty="0">
+              <a:solidFill>
+                <a:srgbClr val="000000"/>
+              </a:solidFill>
+              <a:effectLst/>
+              <a:highlight>
+                <a:srgbClr val="FFFFFF"/>
+              </a:highlight>
+              <a:latin typeface="Menlo" panose="020B0609030804020204" pitchFamily="49" charset="0"/>
+            </a:endParaRPr>
+          </a:p>
+          <a:p>
+            <a:br>
+              <a:rPr lang="en-GB" sz="800" b="0" dirty="0">
+                <a:solidFill>
+                  <a:srgbClr val="000000"/>
+                </a:solidFill>
+                <a:effectLst/>
+                <a:highlight>
+                  <a:srgbClr val="FFFFFF"/>
+                </a:highlight>
+                <a:latin typeface="Menlo" panose="020B0609030804020204" pitchFamily="49" charset="0"/>
+              </a:rPr>
+            </a:br>
+            <a:r>
+              <a:rPr lang="en-GB" sz="800" b="0" dirty="0">
+                <a:solidFill>
+                  <a:srgbClr val="008000"/>
+                </a:solidFill>
+                <a:effectLst/>
+                <a:highlight>
+                  <a:srgbClr val="FFFFFF"/>
+                </a:highlight>
+                <a:latin typeface="Menlo" panose="020B0609030804020204" pitchFamily="49" charset="0"/>
+              </a:rPr>
+              <a:t># Contingency tables and independence of effects</a:t>
+            </a:r>
+            <a:endParaRPr lang="en-GB" sz="800" b="0" dirty="0">
+              <a:solidFill>
+                <a:srgbClr val="000000"/>
+              </a:solidFill>
+              <a:effectLst/>
+              <a:highlight>
+                <a:srgbClr val="FFFFFF"/>
+              </a:highlight>
+              <a:latin typeface="Menlo" panose="020B0609030804020204" pitchFamily="49" charset="0"/>
+            </a:endParaRPr>
+          </a:p>
+          <a:p>
+            <a:r>
+              <a:rPr lang="en-GB" sz="800" b="0" dirty="0">
+                <a:solidFill>
+                  <a:srgbClr val="AF00DB"/>
+                </a:solidFill>
+                <a:effectLst/>
+                <a:highlight>
+                  <a:srgbClr val="FFFFFF"/>
+                </a:highlight>
+                <a:latin typeface="Menlo" panose="020B0609030804020204" pitchFamily="49" charset="0"/>
+              </a:rPr>
+              <a:t>import</a:t>
+            </a:r>
+            <a:r>
+              <a:rPr lang="en-GB" sz="800" b="0" dirty="0">
+                <a:solidFill>
+                  <a:srgbClr val="000000"/>
+                </a:solidFill>
+                <a:effectLst/>
+                <a:highlight>
+                  <a:srgbClr val="FFFFFF"/>
+                </a:highlight>
+                <a:latin typeface="Menlo" panose="020B0609030804020204" pitchFamily="49" charset="0"/>
+              </a:rPr>
+              <a:t> </a:t>
+            </a:r>
+            <a:r>
+              <a:rPr lang="en-GB" sz="800" b="0" dirty="0" err="1">
+                <a:solidFill>
+                  <a:srgbClr val="000000"/>
+                </a:solidFill>
+                <a:effectLst/>
+                <a:highlight>
+                  <a:srgbClr val="FFFFFF"/>
+                </a:highlight>
+                <a:latin typeface="Menlo" panose="020B0609030804020204" pitchFamily="49" charset="0"/>
+              </a:rPr>
+              <a:t>scipy.stats</a:t>
+            </a:r>
+            <a:r>
+              <a:rPr lang="en-GB" sz="800" b="0" dirty="0">
+                <a:solidFill>
+                  <a:srgbClr val="000000"/>
+                </a:solidFill>
+                <a:effectLst/>
+                <a:highlight>
+                  <a:srgbClr val="FFFFFF"/>
+                </a:highlight>
+                <a:latin typeface="Menlo" panose="020B0609030804020204" pitchFamily="49" charset="0"/>
+              </a:rPr>
+              <a:t> </a:t>
+            </a:r>
+            <a:r>
+              <a:rPr lang="en-GB" sz="800" b="0" dirty="0">
+                <a:solidFill>
+                  <a:srgbClr val="AF00DB"/>
+                </a:solidFill>
+                <a:effectLst/>
+                <a:highlight>
+                  <a:srgbClr val="FFFFFF"/>
+                </a:highlight>
+                <a:latin typeface="Menlo" panose="020B0609030804020204" pitchFamily="49" charset="0"/>
+              </a:rPr>
+              <a:t>as</a:t>
+            </a:r>
+            <a:r>
+              <a:rPr lang="en-GB" sz="800" b="0" dirty="0">
+                <a:solidFill>
+                  <a:srgbClr val="000000"/>
+                </a:solidFill>
+                <a:effectLst/>
+                <a:highlight>
+                  <a:srgbClr val="FFFFFF"/>
+                </a:highlight>
+                <a:latin typeface="Menlo" panose="020B0609030804020204" pitchFamily="49" charset="0"/>
+              </a:rPr>
+              <a:t> </a:t>
+            </a:r>
+            <a:r>
+              <a:rPr lang="en-GB" sz="800" b="0" dirty="0" err="1">
+                <a:solidFill>
+                  <a:srgbClr val="267F99"/>
+                </a:solidFill>
+                <a:effectLst/>
+                <a:highlight>
+                  <a:srgbClr val="FFFFFF"/>
+                </a:highlight>
+                <a:latin typeface="Menlo" panose="020B0609030804020204" pitchFamily="49" charset="0"/>
+              </a:rPr>
+              <a:t>st</a:t>
+            </a:r>
+            <a:endParaRPr lang="en-GB" sz="800" b="0" dirty="0">
+              <a:solidFill>
+                <a:srgbClr val="000000"/>
+              </a:solidFill>
+              <a:effectLst/>
+              <a:highlight>
+                <a:srgbClr val="FFFFFF"/>
+              </a:highlight>
+              <a:latin typeface="Menlo" panose="020B0609030804020204" pitchFamily="49" charset="0"/>
+            </a:endParaRPr>
+          </a:p>
+          <a:p>
+            <a:br>
+              <a:rPr lang="en-GB" sz="800" b="0" dirty="0">
+                <a:solidFill>
+                  <a:srgbClr val="000000"/>
+                </a:solidFill>
+                <a:effectLst/>
+                <a:highlight>
+                  <a:srgbClr val="FFFFFF"/>
+                </a:highlight>
+                <a:latin typeface="Menlo" panose="020B0609030804020204" pitchFamily="49" charset="0"/>
+              </a:rPr>
+            </a:br>
+            <a:r>
+              <a:rPr lang="en-GB" sz="800" b="0" dirty="0" err="1">
+                <a:solidFill>
+                  <a:srgbClr val="001080"/>
+                </a:solidFill>
+                <a:effectLst/>
+                <a:highlight>
+                  <a:srgbClr val="FFFFFF"/>
+                </a:highlight>
+                <a:latin typeface="Menlo" panose="020B0609030804020204" pitchFamily="49" charset="0"/>
+              </a:rPr>
+              <a:t>cars_table</a:t>
+            </a:r>
+            <a:r>
+              <a:rPr lang="en-GB" sz="800" b="0" dirty="0">
+                <a:solidFill>
+                  <a:srgbClr val="000000"/>
+                </a:solidFill>
+                <a:effectLst/>
+                <a:highlight>
+                  <a:srgbClr val="FFFFFF"/>
+                </a:highlight>
+                <a:latin typeface="Menlo" panose="020B0609030804020204" pitchFamily="49" charset="0"/>
+              </a:rPr>
+              <a:t>=[[</a:t>
+            </a:r>
+            <a:r>
+              <a:rPr lang="en-GB" sz="800" b="0" dirty="0">
+                <a:solidFill>
+                  <a:srgbClr val="098658"/>
+                </a:solidFill>
+                <a:effectLst/>
+                <a:highlight>
+                  <a:srgbClr val="FFFFFF"/>
+                </a:highlight>
+                <a:latin typeface="Menlo" panose="020B0609030804020204" pitchFamily="49" charset="0"/>
+              </a:rPr>
+              <a:t>256</a:t>
+            </a:r>
+            <a:r>
+              <a:rPr lang="en-GB" sz="800" b="0" dirty="0">
+                <a:solidFill>
+                  <a:srgbClr val="000000"/>
+                </a:solidFill>
+                <a:effectLst/>
+                <a:highlight>
+                  <a:srgbClr val="FFFFFF"/>
+                </a:highlight>
+                <a:latin typeface="Menlo" panose="020B0609030804020204" pitchFamily="49" charset="0"/>
+              </a:rPr>
+              <a:t>,</a:t>
+            </a:r>
+            <a:r>
+              <a:rPr lang="en-GB" sz="800" b="0" dirty="0">
+                <a:solidFill>
+                  <a:srgbClr val="098658"/>
+                </a:solidFill>
+                <a:effectLst/>
+                <a:highlight>
+                  <a:srgbClr val="FFFFFF"/>
+                </a:highlight>
+                <a:latin typeface="Menlo" panose="020B0609030804020204" pitchFamily="49" charset="0"/>
+              </a:rPr>
+              <a:t>74</a:t>
+            </a:r>
+            <a:r>
+              <a:rPr lang="en-GB" sz="800" b="0" dirty="0">
+                <a:solidFill>
+                  <a:srgbClr val="000000"/>
+                </a:solidFill>
+                <a:effectLst/>
+                <a:highlight>
+                  <a:srgbClr val="FFFFFF"/>
+                </a:highlight>
+                <a:latin typeface="Menlo" panose="020B0609030804020204" pitchFamily="49" charset="0"/>
+              </a:rPr>
+              <a:t>],</a:t>
+            </a:r>
+          </a:p>
+          <a:p>
+            <a:r>
+              <a:rPr lang="en-GB" sz="800" b="0" dirty="0">
+                <a:solidFill>
+                  <a:srgbClr val="000000"/>
+                </a:solidFill>
+                <a:effectLst/>
+                <a:highlight>
+                  <a:srgbClr val="FFFFFF"/>
+                </a:highlight>
+                <a:latin typeface="Menlo" panose="020B0609030804020204" pitchFamily="49" charset="0"/>
+              </a:rPr>
+              <a:t>[</a:t>
+            </a:r>
+            <a:r>
+              <a:rPr lang="en-GB" sz="800" b="0" dirty="0">
+                <a:solidFill>
+                  <a:srgbClr val="098658"/>
+                </a:solidFill>
+                <a:effectLst/>
+                <a:highlight>
+                  <a:srgbClr val="FFFFFF"/>
+                </a:highlight>
+                <a:latin typeface="Menlo" panose="020B0609030804020204" pitchFamily="49" charset="0"/>
+              </a:rPr>
+              <a:t>41</a:t>
+            </a:r>
+            <a:r>
+              <a:rPr lang="en-GB" sz="800" b="0" dirty="0">
+                <a:solidFill>
+                  <a:srgbClr val="000000"/>
+                </a:solidFill>
+                <a:effectLst/>
+                <a:highlight>
+                  <a:srgbClr val="FFFFFF"/>
+                </a:highlight>
+                <a:latin typeface="Menlo" panose="020B0609030804020204" pitchFamily="49" charset="0"/>
+              </a:rPr>
+              <a:t>,</a:t>
+            </a:r>
+            <a:r>
+              <a:rPr lang="en-GB" sz="800" b="0" dirty="0">
+                <a:solidFill>
+                  <a:srgbClr val="098658"/>
+                </a:solidFill>
+                <a:effectLst/>
+                <a:highlight>
+                  <a:srgbClr val="FFFFFF"/>
+                </a:highlight>
+                <a:latin typeface="Menlo" panose="020B0609030804020204" pitchFamily="49" charset="0"/>
+              </a:rPr>
+              <a:t>42</a:t>
+            </a:r>
+            <a:r>
+              <a:rPr lang="en-GB" sz="800" b="0" dirty="0">
+                <a:solidFill>
+                  <a:srgbClr val="000000"/>
+                </a:solidFill>
+                <a:effectLst/>
+                <a:highlight>
+                  <a:srgbClr val="FFFFFF"/>
+                </a:highlight>
+                <a:latin typeface="Menlo" panose="020B0609030804020204" pitchFamily="49" charset="0"/>
+              </a:rPr>
+              <a:t>],</a:t>
+            </a:r>
+          </a:p>
+          <a:p>
+            <a:r>
+              <a:rPr lang="en-GB" sz="800" b="0" dirty="0">
+                <a:solidFill>
+                  <a:srgbClr val="000000"/>
+                </a:solidFill>
+                <a:effectLst/>
+                <a:highlight>
+                  <a:srgbClr val="FFFFFF"/>
+                </a:highlight>
+                <a:latin typeface="Menlo" panose="020B0609030804020204" pitchFamily="49" charset="0"/>
+              </a:rPr>
+              <a:t>[</a:t>
+            </a:r>
+            <a:r>
+              <a:rPr lang="en-GB" sz="800" b="0" dirty="0">
+                <a:solidFill>
+                  <a:srgbClr val="098658"/>
+                </a:solidFill>
+                <a:effectLst/>
+                <a:highlight>
+                  <a:srgbClr val="FFFFFF"/>
+                </a:highlight>
+                <a:latin typeface="Menlo" panose="020B0609030804020204" pitchFamily="49" charset="0"/>
+              </a:rPr>
+              <a:t>66</a:t>
+            </a:r>
+            <a:r>
+              <a:rPr lang="en-GB" sz="800" b="0" dirty="0">
+                <a:solidFill>
+                  <a:srgbClr val="000000"/>
+                </a:solidFill>
+                <a:effectLst/>
+                <a:highlight>
+                  <a:srgbClr val="FFFFFF"/>
+                </a:highlight>
+                <a:latin typeface="Menlo" panose="020B0609030804020204" pitchFamily="49" charset="0"/>
+              </a:rPr>
+              <a:t>,</a:t>
+            </a:r>
+            <a:r>
+              <a:rPr lang="en-GB" sz="800" b="0" dirty="0">
+                <a:solidFill>
+                  <a:srgbClr val="098658"/>
+                </a:solidFill>
+                <a:effectLst/>
+                <a:highlight>
+                  <a:srgbClr val="FFFFFF"/>
+                </a:highlight>
+                <a:latin typeface="Menlo" panose="020B0609030804020204" pitchFamily="49" charset="0"/>
+              </a:rPr>
+              <a:t>34</a:t>
+            </a:r>
+            <a:r>
+              <a:rPr lang="en-GB" sz="800" b="0" dirty="0">
+                <a:solidFill>
+                  <a:srgbClr val="000000"/>
+                </a:solidFill>
+                <a:effectLst/>
+                <a:highlight>
+                  <a:srgbClr val="FFFFFF"/>
+                </a:highlight>
+                <a:latin typeface="Menlo" panose="020B0609030804020204" pitchFamily="49" charset="0"/>
+              </a:rPr>
+              <a:t>]]</a:t>
+            </a:r>
+          </a:p>
+          <a:p>
+            <a:br>
+              <a:rPr lang="en-GB" sz="800" b="0" dirty="0">
+                <a:solidFill>
+                  <a:srgbClr val="000000"/>
+                </a:solidFill>
+                <a:effectLst/>
+                <a:highlight>
+                  <a:srgbClr val="FFFFFF"/>
+                </a:highlight>
+                <a:latin typeface="Menlo" panose="020B0609030804020204" pitchFamily="49" charset="0"/>
+              </a:rPr>
+            </a:br>
+            <a:r>
+              <a:rPr lang="en-GB" sz="800" b="0" dirty="0">
+                <a:solidFill>
+                  <a:srgbClr val="267F99"/>
+                </a:solidFill>
+                <a:effectLst/>
+                <a:highlight>
+                  <a:srgbClr val="FFFFFF"/>
+                </a:highlight>
+                <a:latin typeface="Menlo" panose="020B0609030804020204" pitchFamily="49" charset="0"/>
+              </a:rPr>
+              <a:t>st</a:t>
+            </a:r>
+            <a:r>
+              <a:rPr lang="en-GB" sz="800" b="0" dirty="0">
+                <a:solidFill>
+                  <a:srgbClr val="000000"/>
+                </a:solidFill>
+                <a:effectLst/>
+                <a:highlight>
+                  <a:srgbClr val="FFFFFF"/>
+                </a:highlight>
+                <a:latin typeface="Menlo" panose="020B0609030804020204" pitchFamily="49" charset="0"/>
+              </a:rPr>
+              <a:t>.chi2_contingency(</a:t>
+            </a:r>
+            <a:r>
+              <a:rPr lang="en-GB" sz="800" b="0" dirty="0" err="1">
+                <a:solidFill>
+                  <a:srgbClr val="267F99"/>
+                </a:solidFill>
+                <a:effectLst/>
+                <a:highlight>
+                  <a:srgbClr val="FFFFFF"/>
+                </a:highlight>
+                <a:latin typeface="Menlo" panose="020B0609030804020204" pitchFamily="49" charset="0"/>
+              </a:rPr>
+              <a:t>np</a:t>
+            </a:r>
+            <a:r>
+              <a:rPr lang="en-GB" sz="800" b="0" dirty="0" err="1">
+                <a:solidFill>
+                  <a:srgbClr val="000000"/>
+                </a:solidFill>
+                <a:effectLst/>
+                <a:highlight>
+                  <a:srgbClr val="FFFFFF"/>
+                </a:highlight>
+                <a:latin typeface="Menlo" panose="020B0609030804020204" pitchFamily="49" charset="0"/>
+              </a:rPr>
+              <a:t>.array</a:t>
+            </a:r>
+            <a:r>
+              <a:rPr lang="en-GB" sz="800" b="0" dirty="0">
+                <a:solidFill>
+                  <a:srgbClr val="000000"/>
+                </a:solidFill>
+                <a:effectLst/>
+                <a:highlight>
+                  <a:srgbClr val="FFFFFF"/>
+                </a:highlight>
+                <a:latin typeface="Menlo" panose="020B0609030804020204" pitchFamily="49" charset="0"/>
+              </a:rPr>
+              <a:t>(</a:t>
+            </a:r>
+            <a:r>
+              <a:rPr lang="en-GB" sz="800" b="0" dirty="0" err="1">
+                <a:solidFill>
+                  <a:srgbClr val="001080"/>
+                </a:solidFill>
+                <a:effectLst/>
+                <a:highlight>
+                  <a:srgbClr val="FFFFFF"/>
+                </a:highlight>
+                <a:latin typeface="Menlo" panose="020B0609030804020204" pitchFamily="49" charset="0"/>
+              </a:rPr>
+              <a:t>cars_table</a:t>
+            </a:r>
+            <a:r>
+              <a:rPr lang="en-GB" sz="800" b="0" dirty="0">
+                <a:solidFill>
+                  <a:srgbClr val="000000"/>
+                </a:solidFill>
+                <a:effectLst/>
+                <a:highlight>
+                  <a:srgbClr val="FFFFFF"/>
+                </a:highlight>
+                <a:latin typeface="Menlo" panose="020B0609030804020204" pitchFamily="49" charset="0"/>
+              </a:rPr>
+              <a:t>))</a:t>
+            </a:r>
+          </a:p>
+          <a:p>
+            <a:r>
+              <a:rPr lang="en-GB" sz="800" b="0" dirty="0">
+                <a:solidFill>
+                  <a:srgbClr val="008000"/>
+                </a:solidFill>
+                <a:effectLst/>
+                <a:highlight>
+                  <a:srgbClr val="FFFFFF"/>
+                </a:highlight>
+                <a:latin typeface="Menlo" panose="020B0609030804020204" pitchFamily="49" charset="0"/>
+              </a:rPr>
+              <a:t>#statistic, p-value, degrees of freedom, expected probs if H0 holds</a:t>
+            </a:r>
+          </a:p>
+          <a:p>
+            <a:endParaRPr lang="en-GB" sz="800" dirty="0">
+              <a:solidFill>
+                <a:srgbClr val="008000"/>
+              </a:solidFill>
+              <a:highlight>
+                <a:srgbClr val="FFFFFF"/>
+              </a:highlight>
+              <a:latin typeface="Menlo" panose="020B0609030804020204" pitchFamily="49" charset="0"/>
+            </a:endParaRPr>
+          </a:p>
+          <a:p>
+            <a:r>
+              <a:rPr lang="en-GB" sz="1000" b="0" i="0" dirty="0">
+                <a:solidFill>
+                  <a:srgbClr val="000000"/>
+                </a:solidFill>
+                <a:effectLst/>
+                <a:latin typeface="Menlo" panose="020B0609030804020204" pitchFamily="49" charset="0"/>
+              </a:rPr>
+              <a:t>Chi2ContingencyResult(statistic=26.8113499370887, </a:t>
+            </a:r>
+            <a:r>
+              <a:rPr lang="en-GB" sz="1000" b="0" i="0" dirty="0" err="1">
+                <a:solidFill>
+                  <a:srgbClr val="000000"/>
+                </a:solidFill>
+                <a:effectLst/>
+                <a:latin typeface="Menlo" panose="020B0609030804020204" pitchFamily="49" charset="0"/>
+              </a:rPr>
+              <a:t>pvalue</a:t>
+            </a:r>
+            <a:r>
+              <a:rPr lang="en-GB" sz="1000" b="0" i="0" dirty="0">
+                <a:solidFill>
+                  <a:srgbClr val="000000"/>
+                </a:solidFill>
+                <a:effectLst/>
+                <a:latin typeface="Menlo" panose="020B0609030804020204" pitchFamily="49" charset="0"/>
+              </a:rPr>
+              <a:t>=1.5065700686908928e-06, </a:t>
+            </a:r>
+            <a:r>
+              <a:rPr lang="en-GB" sz="1000" b="0" i="0" dirty="0" err="1">
+                <a:solidFill>
+                  <a:srgbClr val="000000"/>
+                </a:solidFill>
+                <a:effectLst/>
+                <a:latin typeface="Menlo" panose="020B0609030804020204" pitchFamily="49" charset="0"/>
+              </a:rPr>
+              <a:t>dof</a:t>
+            </a:r>
+            <a:r>
+              <a:rPr lang="en-GB" sz="1000" b="0" i="0" dirty="0">
+                <a:solidFill>
+                  <a:srgbClr val="000000"/>
+                </a:solidFill>
+                <a:effectLst/>
+                <a:latin typeface="Menlo" panose="020B0609030804020204" pitchFamily="49" charset="0"/>
+              </a:rPr>
+              <a:t>=2, </a:t>
+            </a:r>
+            <a:r>
+              <a:rPr lang="en-GB" sz="1000" b="0" i="0" dirty="0" err="1">
+                <a:solidFill>
+                  <a:srgbClr val="000000"/>
+                </a:solidFill>
+                <a:effectLst/>
+                <a:latin typeface="Menlo" panose="020B0609030804020204" pitchFamily="49" charset="0"/>
+              </a:rPr>
+              <a:t>expected_freq</a:t>
+            </a:r>
+            <a:r>
+              <a:rPr lang="en-GB" sz="1000" b="0" i="0" dirty="0">
+                <a:solidFill>
+                  <a:srgbClr val="000000"/>
+                </a:solidFill>
+                <a:effectLst/>
+                <a:latin typeface="Menlo" panose="020B0609030804020204" pitchFamily="49" charset="0"/>
+              </a:rPr>
+              <a:t>=array(</a:t>
+            </a:r>
+          </a:p>
+          <a:p>
+            <a:r>
+              <a:rPr lang="en-GB" sz="1000" b="0" i="0" dirty="0">
+                <a:solidFill>
+                  <a:srgbClr val="000000"/>
+                </a:solidFill>
+                <a:effectLst/>
+                <a:latin typeface="Menlo" panose="020B0609030804020204" pitchFamily="49" charset="0"/>
+              </a:rPr>
+              <a:t>[[233.50877193, 96.49122807], </a:t>
+            </a:r>
+          </a:p>
+          <a:p>
+            <a:r>
+              <a:rPr lang="en-GB" sz="1000" b="0" i="0" dirty="0">
+                <a:solidFill>
+                  <a:srgbClr val="000000"/>
+                </a:solidFill>
+                <a:effectLst/>
+                <a:latin typeface="Menlo" panose="020B0609030804020204" pitchFamily="49" charset="0"/>
+              </a:rPr>
+              <a:t>[ 58.73099415, 24.26900585], </a:t>
+            </a:r>
+          </a:p>
+          <a:p>
+            <a:r>
+              <a:rPr lang="en-GB" sz="1000" b="0" i="0" dirty="0">
+                <a:solidFill>
+                  <a:srgbClr val="000000"/>
+                </a:solidFill>
+                <a:effectLst/>
+                <a:latin typeface="Menlo" panose="020B0609030804020204" pitchFamily="49" charset="0"/>
+              </a:rPr>
+              <a:t>[ 70.76023392, 29.23976608]]))</a:t>
+            </a:r>
+            <a:endParaRPr lang="en-GB" sz="800" b="0" dirty="0">
+              <a:solidFill>
+                <a:srgbClr val="000000"/>
+              </a:solidFill>
+              <a:effectLst/>
+              <a:highlight>
+                <a:srgbClr val="FFFFFF"/>
+              </a:highlight>
+              <a:latin typeface="Menlo" panose="020B0609030804020204" pitchFamily="49" charset="0"/>
+            </a:endParaRPr>
+          </a:p>
+        </p:txBody>
+      </p:sp>
+    </p:spTree>
+    <p:extLst>
+      <p:ext uri="{BB962C8B-B14F-4D97-AF65-F5344CB8AC3E}">
+        <p14:creationId xmlns:p14="http://schemas.microsoft.com/office/powerpoint/2010/main" val="712500487"/>
+      </p:ext>
+    </p:extLst>
+  </p:cSld>
+  <p:clrMapOvr>
+    <a:masterClrMapping/>
+  </p:clrMapOvr>
+</p:sld>
+</file>
+
 <file path=ppt/slides/slide2.xml><?xml version="1.0" encoding="utf-8"?>
 <p:sld xmlns:a="http://schemas.openxmlformats.org/drawingml/2006/main" xmlns:r="http://schemas.openxmlformats.org/officeDocument/2006/relationships" xmlns:p="http://schemas.openxmlformats.org/presentationml/2006/main">
   <p:cSld>
@@ -24433,701 +24605,7 @@
 </p:sld>
 </file>
 
-<file path=ppt/slides/slide20.xml><?xml version="1.0" encoding="utf-8"?>
-<p:sld xmlns:a="http://schemas.openxmlformats.org/drawingml/2006/main" xmlns:r="http://schemas.openxmlformats.org/officeDocument/2006/relationships" xmlns:p="http://schemas.openxmlformats.org/presentationml/2006/main">
-  <p:cSld>
-    <p:bg>
-      <p:bgPr>
-        <a:blipFill>
-          <a:blip r:embed="rId3">
-            <a:alphaModFix/>
-          </a:blip>
-          <a:stretch>
-            <a:fillRect/>
-          </a:stretch>
-        </a:blipFill>
-        <a:effectLst/>
-      </p:bgPr>
-    </p:bg>
-    <p:spTree>
-      <p:nvGrpSpPr>
-        <p:cNvPr id="1" name="Shape 222"/>
-        <p:cNvGrpSpPr/>
-        <p:nvPr/>
-      </p:nvGrpSpPr>
-      <p:grpSpPr>
-        <a:xfrm>
-          <a:off x="0" y="0"/>
-          <a:ext cx="0" cy="0"/>
-          <a:chOff x="0" y="0"/>
-          <a:chExt cx="0" cy="0"/>
-        </a:xfrm>
-      </p:grpSpPr>
-      <p:sp>
-        <p:nvSpPr>
-          <p:cNvPr id="223" name="Google Shape;223;p24"/>
-          <p:cNvSpPr txBox="1"/>
-          <p:nvPr/>
-        </p:nvSpPr>
-        <p:spPr>
-          <a:xfrm>
-            <a:off x="719375" y="842675"/>
-            <a:ext cx="7657200" cy="2654100"/>
-          </a:xfrm>
-          <a:prstGeom prst="rect">
-            <a:avLst/>
-          </a:prstGeom>
-          <a:noFill/>
-          <a:ln>
-            <a:noFill/>
-          </a:ln>
-        </p:spPr>
-        <p:txBody>
-          <a:bodyPr spcFirstLastPara="1" wrap="square" lIns="91425" tIns="91425" rIns="91425" bIns="91425" anchor="t" anchorCtr="0">
-            <a:noAutofit/>
-          </a:bodyPr>
-          <a:lstStyle/>
-          <a:p>
-            <a:pPr marL="0" marR="0" lvl="0" indent="0" algn="l" rtl="0">
-              <a:lnSpc>
-                <a:spcPct val="150000"/>
-              </a:lnSpc>
-              <a:spcBef>
-                <a:spcPts val="0"/>
-              </a:spcBef>
-              <a:spcAft>
-                <a:spcPts val="0"/>
-              </a:spcAft>
-              <a:buClr>
-                <a:srgbClr val="000000"/>
-              </a:buClr>
-              <a:buSzPts val="1100"/>
-              <a:buFont typeface="Arial"/>
-              <a:buNone/>
-            </a:pPr>
-            <a:r>
-              <a:rPr lang="en" sz="1800" b="1" i="0" u="none" strike="noStrike" cap="none">
-                <a:solidFill>
-                  <a:srgbClr val="2DC5FA"/>
-                </a:solidFill>
-                <a:latin typeface="Roboto"/>
-                <a:ea typeface="Roboto"/>
-                <a:cs typeface="Roboto"/>
-                <a:sym typeface="Roboto"/>
-              </a:rPr>
-              <a:t>TO THE COL...</a:t>
-            </a:r>
-            <a:endParaRPr sz="1800" b="1" i="0" u="none" strike="noStrike" cap="none">
-              <a:solidFill>
-                <a:srgbClr val="2DC5FA"/>
-              </a:solidFill>
-              <a:latin typeface="Roboto"/>
-              <a:ea typeface="Roboto"/>
-              <a:cs typeface="Roboto"/>
-              <a:sym typeface="Roboto"/>
-            </a:endParaRPr>
-          </a:p>
-          <a:p>
-            <a:pPr marL="0" marR="0" lvl="0" indent="0" algn="l" rtl="0">
-              <a:lnSpc>
-                <a:spcPct val="150000"/>
-              </a:lnSpc>
-              <a:spcBef>
-                <a:spcPts val="0"/>
-              </a:spcBef>
-              <a:spcAft>
-                <a:spcPts val="0"/>
-              </a:spcAft>
-              <a:buClr>
-                <a:schemeClr val="dk1"/>
-              </a:buClr>
-              <a:buSzPts val="1100"/>
-              <a:buFont typeface="Arial"/>
-              <a:buNone/>
-            </a:pPr>
-            <a:endParaRPr sz="1100" b="0" i="0" u="none" strike="noStrike" cap="none">
-              <a:solidFill>
-                <a:schemeClr val="dk1"/>
-              </a:solidFill>
-              <a:latin typeface="Arial"/>
-              <a:ea typeface="Arial"/>
-              <a:cs typeface="Arial"/>
-              <a:sym typeface="Arial"/>
-            </a:endParaRPr>
-          </a:p>
-          <a:p>
-            <a:pPr marL="0" marR="0" lvl="0" indent="0" algn="l" rtl="0">
-              <a:lnSpc>
-                <a:spcPct val="150000"/>
-              </a:lnSpc>
-              <a:spcBef>
-                <a:spcPts val="0"/>
-              </a:spcBef>
-              <a:spcAft>
-                <a:spcPts val="0"/>
-              </a:spcAft>
-              <a:buClr>
-                <a:schemeClr val="dk1"/>
-              </a:buClr>
-              <a:buSzPts val="1100"/>
-              <a:buFont typeface="Arial"/>
-              <a:buNone/>
-            </a:pPr>
-            <a:r>
-              <a:rPr lang="en" sz="1100" b="0" i="0" u="none" strike="noStrike" cap="none">
-                <a:solidFill>
-                  <a:schemeClr val="dk1"/>
-                </a:solidFill>
-                <a:latin typeface="Arial"/>
-                <a:ea typeface="Arial"/>
-                <a:cs typeface="Arial"/>
-                <a:sym typeface="Arial"/>
-              </a:rPr>
-              <a:t>You may notice that I very conspicuously am not going to the colab yet.</a:t>
-            </a:r>
-            <a:endParaRPr sz="1100" b="0" i="0" u="none" strike="noStrike" cap="none">
-              <a:solidFill>
-                <a:schemeClr val="dk1"/>
-              </a:solidFill>
-              <a:latin typeface="Arial"/>
-              <a:ea typeface="Arial"/>
-              <a:cs typeface="Arial"/>
-              <a:sym typeface="Arial"/>
-            </a:endParaRPr>
-          </a:p>
-          <a:p>
-            <a:pPr marL="0" marR="0" lvl="0" indent="0" algn="l" rtl="0">
-              <a:lnSpc>
-                <a:spcPct val="150000"/>
-              </a:lnSpc>
-              <a:spcBef>
-                <a:spcPts val="0"/>
-              </a:spcBef>
-              <a:spcAft>
-                <a:spcPts val="0"/>
-              </a:spcAft>
-              <a:buClr>
-                <a:schemeClr val="dk1"/>
-              </a:buClr>
-              <a:buSzPts val="1100"/>
-              <a:buFont typeface="Arial"/>
-              <a:buNone/>
-            </a:pPr>
-            <a:r>
-              <a:rPr lang="en" sz="1100" b="0" i="0" u="none" strike="noStrike" cap="none">
-                <a:solidFill>
-                  <a:schemeClr val="dk1"/>
-                </a:solidFill>
-                <a:latin typeface="Arial"/>
-                <a:ea typeface="Arial"/>
-                <a:cs typeface="Arial"/>
-                <a:sym typeface="Arial"/>
-              </a:rPr>
-              <a:t>This is because, as usual, there is a function that does all of this for us</a:t>
-            </a:r>
-            <a:endParaRPr sz="1100" b="0" i="0" u="none" strike="noStrike" cap="none">
-              <a:solidFill>
-                <a:schemeClr val="dk1"/>
-              </a:solidFill>
-              <a:latin typeface="Arial"/>
-              <a:ea typeface="Arial"/>
-              <a:cs typeface="Arial"/>
-              <a:sym typeface="Arial"/>
-            </a:endParaRPr>
-          </a:p>
-          <a:p>
-            <a:pPr marL="0" marR="0" lvl="0" indent="0" algn="l" rtl="0">
-              <a:lnSpc>
-                <a:spcPct val="135714"/>
-              </a:lnSpc>
-              <a:spcBef>
-                <a:spcPts val="0"/>
-              </a:spcBef>
-              <a:spcAft>
-                <a:spcPts val="0"/>
-              </a:spcAft>
-              <a:buClr>
-                <a:schemeClr val="dk1"/>
-              </a:buClr>
-              <a:buSzPts val="1100"/>
-              <a:buFont typeface="Arial"/>
-              <a:buNone/>
-            </a:pPr>
-            <a:r>
-              <a:rPr lang="en" sz="1050" b="0" i="0" u="none" strike="noStrike" cap="none">
-                <a:solidFill>
-                  <a:srgbClr val="AF00DB"/>
-                </a:solidFill>
-                <a:highlight>
-                  <a:srgbClr val="FFFFFE"/>
-                </a:highlight>
-                <a:latin typeface="Courier New"/>
-                <a:ea typeface="Courier New"/>
-                <a:cs typeface="Courier New"/>
-                <a:sym typeface="Courier New"/>
-              </a:rPr>
-              <a:t>import</a:t>
-            </a:r>
-            <a:r>
-              <a:rPr lang="en" sz="1050" b="0" i="0" u="none" strike="noStrike" cap="none">
-                <a:solidFill>
-                  <a:schemeClr val="dk1"/>
-                </a:solidFill>
-                <a:highlight>
-                  <a:srgbClr val="FFFFFE"/>
-                </a:highlight>
-                <a:latin typeface="Courier New"/>
-                <a:ea typeface="Courier New"/>
-                <a:cs typeface="Courier New"/>
-                <a:sym typeface="Courier New"/>
-              </a:rPr>
-              <a:t> scipy.stats </a:t>
-            </a:r>
-            <a:r>
-              <a:rPr lang="en" sz="1050" b="0" i="0" u="none" strike="noStrike" cap="none">
-                <a:solidFill>
-                  <a:srgbClr val="AF00DB"/>
-                </a:solidFill>
-                <a:highlight>
-                  <a:srgbClr val="FFFFFE"/>
-                </a:highlight>
-                <a:latin typeface="Courier New"/>
-                <a:ea typeface="Courier New"/>
-                <a:cs typeface="Courier New"/>
-                <a:sym typeface="Courier New"/>
-              </a:rPr>
-              <a:t>as</a:t>
-            </a:r>
-            <a:r>
-              <a:rPr lang="en" sz="1050" b="0" i="0" u="none" strike="noStrike" cap="none">
-                <a:solidFill>
-                  <a:schemeClr val="dk1"/>
-                </a:solidFill>
-                <a:highlight>
-                  <a:srgbClr val="FFFFFE"/>
-                </a:highlight>
-                <a:latin typeface="Courier New"/>
-                <a:ea typeface="Courier New"/>
-                <a:cs typeface="Courier New"/>
-                <a:sym typeface="Courier New"/>
-              </a:rPr>
-              <a:t> st</a:t>
-            </a:r>
-            <a:endParaRPr sz="1050" b="0" i="0" u="none" strike="noStrike" cap="none">
-              <a:solidFill>
-                <a:schemeClr val="dk1"/>
-              </a:solidFill>
-              <a:highlight>
-                <a:srgbClr val="FFFFFE"/>
-              </a:highlight>
-              <a:latin typeface="Courier New"/>
-              <a:ea typeface="Courier New"/>
-              <a:cs typeface="Courier New"/>
-              <a:sym typeface="Courier New"/>
-            </a:endParaRPr>
-          </a:p>
-          <a:p>
-            <a:pPr marL="0" marR="0" lvl="0" indent="0" algn="l" rtl="0">
-              <a:lnSpc>
-                <a:spcPct val="135714"/>
-              </a:lnSpc>
-              <a:spcBef>
-                <a:spcPts val="0"/>
-              </a:spcBef>
-              <a:spcAft>
-                <a:spcPts val="0"/>
-              </a:spcAft>
-              <a:buClr>
-                <a:schemeClr val="dk1"/>
-              </a:buClr>
-              <a:buSzPts val="1100"/>
-              <a:buFont typeface="Arial"/>
-              <a:buNone/>
-            </a:pPr>
-            <a:r>
-              <a:rPr lang="en" sz="1050" b="0" i="0" u="none" strike="noStrike" cap="none">
-                <a:solidFill>
-                  <a:schemeClr val="dk1"/>
-                </a:solidFill>
-                <a:highlight>
-                  <a:srgbClr val="FFFFFE"/>
-                </a:highlight>
-                <a:latin typeface="Courier New"/>
-                <a:ea typeface="Courier New"/>
-                <a:cs typeface="Courier New"/>
-                <a:sym typeface="Courier New"/>
-              </a:rPr>
-              <a:t>st.chi2_contingency(table)</a:t>
-            </a:r>
-            <a:endParaRPr sz="1100" b="1" i="0" u="none" strike="noStrike" cap="none">
-              <a:solidFill>
-                <a:schemeClr val="dk1"/>
-              </a:solidFill>
-              <a:latin typeface="Arial"/>
-              <a:ea typeface="Arial"/>
-              <a:cs typeface="Arial"/>
-              <a:sym typeface="Arial"/>
-            </a:endParaRPr>
-          </a:p>
-          <a:p>
-            <a:pPr marL="0" marR="0" lvl="0" indent="0" algn="l" rtl="0">
-              <a:lnSpc>
-                <a:spcPct val="150000"/>
-              </a:lnSpc>
-              <a:spcBef>
-                <a:spcPts val="0"/>
-              </a:spcBef>
-              <a:spcAft>
-                <a:spcPts val="0"/>
-              </a:spcAft>
-              <a:buClr>
-                <a:schemeClr val="dk1"/>
-              </a:buClr>
-              <a:buSzPts val="1100"/>
-              <a:buFont typeface="Arial"/>
-              <a:buNone/>
-            </a:pPr>
-            <a:endParaRPr sz="1100" b="0" i="0" u="none" strike="noStrike" cap="none">
-              <a:solidFill>
-                <a:schemeClr val="dk1"/>
-              </a:solidFill>
-              <a:latin typeface="Arial"/>
-              <a:ea typeface="Arial"/>
-              <a:cs typeface="Arial"/>
-              <a:sym typeface="Arial"/>
-            </a:endParaRPr>
-          </a:p>
-          <a:p>
-            <a:pPr marL="0" marR="0" lvl="0" indent="0" algn="l" rtl="0">
-              <a:lnSpc>
-                <a:spcPct val="150000"/>
-              </a:lnSpc>
-              <a:spcBef>
-                <a:spcPts val="0"/>
-              </a:spcBef>
-              <a:spcAft>
-                <a:spcPts val="0"/>
-              </a:spcAft>
-              <a:buClr>
-                <a:schemeClr val="dk1"/>
-              </a:buClr>
-              <a:buSzPts val="1100"/>
-              <a:buFont typeface="Arial"/>
-              <a:buNone/>
-            </a:pPr>
-            <a:r>
-              <a:rPr lang="en" sz="1100" b="0" i="0" u="none" strike="noStrike" cap="none">
-                <a:solidFill>
-                  <a:schemeClr val="dk1"/>
-                </a:solidFill>
-                <a:latin typeface="Arial"/>
-                <a:ea typeface="Arial"/>
-                <a:cs typeface="Arial"/>
-                <a:sym typeface="Arial"/>
-              </a:rPr>
-              <a:t>Yay! (?)</a:t>
-            </a:r>
-            <a:endParaRPr sz="1100" b="0" i="0" u="none" strike="noStrike" cap="none">
-              <a:solidFill>
-                <a:schemeClr val="dk1"/>
-              </a:solidFill>
-              <a:latin typeface="Arial"/>
-              <a:ea typeface="Arial"/>
-              <a:cs typeface="Arial"/>
-              <a:sym typeface="Arial"/>
-            </a:endParaRPr>
-          </a:p>
-          <a:p>
-            <a:pPr marL="0" marR="0" lvl="0" indent="0" algn="l" rtl="0">
-              <a:lnSpc>
-                <a:spcPct val="150000"/>
-              </a:lnSpc>
-              <a:spcBef>
-                <a:spcPts val="0"/>
-              </a:spcBef>
-              <a:spcAft>
-                <a:spcPts val="0"/>
-              </a:spcAft>
-              <a:buClr>
-                <a:schemeClr val="dk1"/>
-              </a:buClr>
-              <a:buSzPts val="1100"/>
-              <a:buFont typeface="Arial"/>
-              <a:buNone/>
-            </a:pPr>
-            <a:r>
-              <a:rPr lang="en" sz="1100" b="0" i="0" u="none" strike="noStrike" cap="none">
-                <a:solidFill>
-                  <a:schemeClr val="dk1"/>
-                </a:solidFill>
-                <a:latin typeface="Arial"/>
-                <a:ea typeface="Arial"/>
-                <a:cs typeface="Arial"/>
-                <a:sym typeface="Arial"/>
-              </a:rPr>
-              <a:t>To the colab!</a:t>
-            </a:r>
-            <a:endParaRPr sz="1100" b="0" i="0" u="none" strike="noStrike" cap="none">
-              <a:solidFill>
-                <a:schemeClr val="dk1"/>
-              </a:solidFill>
-              <a:latin typeface="Arial"/>
-              <a:ea typeface="Arial"/>
-              <a:cs typeface="Arial"/>
-              <a:sym typeface="Arial"/>
-            </a:endParaRPr>
-          </a:p>
-          <a:p>
-            <a:pPr marL="0" marR="0" lvl="0" indent="0" algn="l" rtl="0">
-              <a:lnSpc>
-                <a:spcPct val="150000"/>
-              </a:lnSpc>
-              <a:spcBef>
-                <a:spcPts val="0"/>
-              </a:spcBef>
-              <a:spcAft>
-                <a:spcPts val="0"/>
-              </a:spcAft>
-              <a:buClr>
-                <a:schemeClr val="dk1"/>
-              </a:buClr>
-              <a:buSzPts val="1100"/>
-              <a:buFont typeface="Arial"/>
-              <a:buNone/>
-            </a:pPr>
-            <a:endParaRPr sz="1100" b="1" i="0" u="none" strike="noStrike" cap="none">
-              <a:solidFill>
-                <a:schemeClr val="dk1"/>
-              </a:solidFill>
-              <a:latin typeface="Arial"/>
-              <a:ea typeface="Arial"/>
-              <a:cs typeface="Arial"/>
-              <a:sym typeface="Arial"/>
-            </a:endParaRPr>
-          </a:p>
-        </p:txBody>
-      </p:sp>
-      <p:pic>
-        <p:nvPicPr>
-          <p:cNvPr id="224" name="Google Shape;224;p24"/>
-          <p:cNvPicPr preferRelativeResize="0"/>
-          <p:nvPr/>
-        </p:nvPicPr>
-        <p:blipFill rotWithShape="1">
-          <a:blip r:embed="rId4">
-            <a:alphaModFix/>
-          </a:blip>
-          <a:srcRect/>
-          <a:stretch/>
-        </p:blipFill>
-        <p:spPr>
-          <a:xfrm>
-            <a:off x="-809150" y="3742975"/>
-            <a:ext cx="2599849" cy="2803224"/>
-          </a:xfrm>
-          <a:prstGeom prst="rect">
-            <a:avLst/>
-          </a:prstGeom>
-          <a:noFill/>
-          <a:ln>
-            <a:noFill/>
-          </a:ln>
-        </p:spPr>
-      </p:pic>
-    </p:spTree>
-  </p:cSld>
-  <p:clrMapOvr>
-    <a:masterClrMapping/>
-  </p:clrMapOvr>
-</p:sld>
-</file>
-
 <file path=ppt/slides/slide3.xml><?xml version="1.0" encoding="utf-8"?>
-<p:sld xmlns:a="http://schemas.openxmlformats.org/drawingml/2006/main" xmlns:r="http://schemas.openxmlformats.org/officeDocument/2006/relationships" xmlns:p="http://schemas.openxmlformats.org/presentationml/2006/main">
-  <p:cSld>
-    <p:bg>
-      <p:bgPr>
-        <a:blipFill>
-          <a:blip r:embed="rId3">
-            <a:alphaModFix/>
-          </a:blip>
-          <a:stretch>
-            <a:fillRect/>
-          </a:stretch>
-        </a:blipFill>
-        <a:effectLst/>
-      </p:bgPr>
-    </p:bg>
-    <p:spTree>
-      <p:nvGrpSpPr>
-        <p:cNvPr id="1" name="Shape 78"/>
-        <p:cNvGrpSpPr/>
-        <p:nvPr/>
-      </p:nvGrpSpPr>
-      <p:grpSpPr>
-        <a:xfrm>
-          <a:off x="0" y="0"/>
-          <a:ext cx="0" cy="0"/>
-          <a:chOff x="0" y="0"/>
-          <a:chExt cx="0" cy="0"/>
-        </a:xfrm>
-      </p:grpSpPr>
-      <p:sp>
-        <p:nvSpPr>
-          <p:cNvPr id="79" name="Google Shape;79;p4"/>
-          <p:cNvSpPr txBox="1"/>
-          <p:nvPr/>
-        </p:nvSpPr>
-        <p:spPr>
-          <a:xfrm>
-            <a:off x="311700" y="3153075"/>
-            <a:ext cx="8520600" cy="440100"/>
-          </a:xfrm>
-          <a:prstGeom prst="rect">
-            <a:avLst/>
-          </a:prstGeom>
-          <a:noFill/>
-          <a:ln>
-            <a:noFill/>
-          </a:ln>
-        </p:spPr>
-        <p:txBody>
-          <a:bodyPr spcFirstLastPara="1" wrap="square" lIns="91425" tIns="91425" rIns="91425" bIns="91425" anchor="b" anchorCtr="0">
-            <a:noAutofit/>
-          </a:bodyPr>
-          <a:lstStyle/>
-          <a:p>
-            <a:pPr marL="0" marR="0" lvl="0" indent="0" algn="ctr" rtl="0">
-              <a:lnSpc>
-                <a:spcPct val="100000"/>
-              </a:lnSpc>
-              <a:spcBef>
-                <a:spcPts val="0"/>
-              </a:spcBef>
-              <a:spcAft>
-                <a:spcPts val="0"/>
-              </a:spcAft>
-              <a:buClr>
-                <a:srgbClr val="000000"/>
-              </a:buClr>
-              <a:buSzPts val="1800"/>
-              <a:buFont typeface="Arial"/>
-              <a:buNone/>
-            </a:pPr>
-            <a:r>
-              <a:rPr lang="en" sz="1800" b="0" i="0" u="none" strike="noStrike" cap="none">
-                <a:solidFill>
-                  <a:srgbClr val="000000"/>
-                </a:solidFill>
-                <a:latin typeface="Roboto"/>
-                <a:ea typeface="Roboto"/>
-                <a:cs typeface="Roboto"/>
-                <a:sym typeface="Roboto"/>
-              </a:rPr>
-              <a:t>AND NOW, RESUMING OUR PREVIOUSLY SCHEDULED PROGRAM</a:t>
-            </a:r>
-            <a:endParaRPr sz="1800" b="0" i="0" u="none" strike="noStrike" cap="none">
-              <a:solidFill>
-                <a:srgbClr val="000000"/>
-              </a:solidFill>
-              <a:latin typeface="Roboto"/>
-              <a:ea typeface="Roboto"/>
-              <a:cs typeface="Roboto"/>
-              <a:sym typeface="Roboto"/>
-            </a:endParaRPr>
-          </a:p>
-        </p:txBody>
-      </p:sp>
-      <p:pic>
-        <p:nvPicPr>
-          <p:cNvPr id="80" name="Google Shape;80;p4"/>
-          <p:cNvPicPr preferRelativeResize="0"/>
-          <p:nvPr/>
-        </p:nvPicPr>
-        <p:blipFill rotWithShape="1">
-          <a:blip r:embed="rId4">
-            <a:alphaModFix/>
-          </a:blip>
-          <a:srcRect/>
-          <a:stretch/>
-        </p:blipFill>
-        <p:spPr>
-          <a:xfrm>
-            <a:off x="3786563" y="1393225"/>
-            <a:ext cx="1570875" cy="1570875"/>
-          </a:xfrm>
-          <a:prstGeom prst="rect">
-            <a:avLst/>
-          </a:prstGeom>
-          <a:noFill/>
-          <a:ln>
-            <a:noFill/>
-          </a:ln>
-        </p:spPr>
-      </p:pic>
-      <p:pic>
-        <p:nvPicPr>
-          <p:cNvPr id="81" name="Google Shape;81;p4"/>
-          <p:cNvPicPr preferRelativeResize="0"/>
-          <p:nvPr/>
-        </p:nvPicPr>
-        <p:blipFill rotWithShape="1">
-          <a:blip r:embed="rId5">
-            <a:alphaModFix/>
-          </a:blip>
-          <a:srcRect/>
-          <a:stretch/>
-        </p:blipFill>
-        <p:spPr>
-          <a:xfrm>
-            <a:off x="7298875" y="-1087175"/>
-            <a:ext cx="2599849" cy="2803224"/>
-          </a:xfrm>
-          <a:prstGeom prst="rect">
-            <a:avLst/>
-          </a:prstGeom>
-          <a:noFill/>
-          <a:ln>
-            <a:noFill/>
-          </a:ln>
-        </p:spPr>
-      </p:pic>
-      <p:pic>
-        <p:nvPicPr>
-          <p:cNvPr id="82" name="Google Shape;82;p4"/>
-          <p:cNvPicPr preferRelativeResize="0"/>
-          <p:nvPr/>
-        </p:nvPicPr>
-        <p:blipFill rotWithShape="1">
-          <a:blip r:embed="rId5">
-            <a:alphaModFix/>
-          </a:blip>
-          <a:srcRect/>
-          <a:stretch/>
-        </p:blipFill>
-        <p:spPr>
-          <a:xfrm>
-            <a:off x="-732950" y="3742975"/>
-            <a:ext cx="2599849" cy="2803224"/>
-          </a:xfrm>
-          <a:prstGeom prst="rect">
-            <a:avLst/>
-          </a:prstGeom>
-          <a:noFill/>
-          <a:ln>
-            <a:noFill/>
-          </a:ln>
-        </p:spPr>
-      </p:pic>
-    </p:spTree>
-  </p:cSld>
-  <p:clrMapOvr>
-    <a:masterClrMapping/>
-  </p:clrMapOvr>
-</p:sld>
-</file>
-
-<file path=ppt/slides/slide4.xml><?xml version="1.0" encoding="utf-8"?>
 <p:sld xmlns:a="http://schemas.openxmlformats.org/drawingml/2006/main" xmlns:r="http://schemas.openxmlformats.org/officeDocument/2006/relationships" xmlns:p="http://schemas.openxmlformats.org/presentationml/2006/main">
   <p:cSld>
     <p:bg>
@@ -25686,7 +25164,7 @@
 </p:sld>
 </file>
 
-<file path=ppt/slides/slide5.xml><?xml version="1.0" encoding="utf-8"?>
+<file path=ppt/slides/slide4.xml><?xml version="1.0" encoding="utf-8"?>
 <p:sld xmlns:a="http://schemas.openxmlformats.org/drawingml/2006/main" xmlns:r="http://schemas.openxmlformats.org/officeDocument/2006/relationships" xmlns:p="http://schemas.openxmlformats.org/presentationml/2006/main">
   <p:cSld>
     <p:bg>
@@ -26077,7 +25555,7 @@
 </p:sld>
 </file>
 
-<file path=ppt/slides/slide6.xml><?xml version="1.0" encoding="utf-8"?>
+<file path=ppt/slides/slide5.xml><?xml version="1.0" encoding="utf-8"?>
 <p:sld xmlns:a="http://schemas.openxmlformats.org/drawingml/2006/main" xmlns:r="http://schemas.openxmlformats.org/officeDocument/2006/relationships" xmlns:p="http://schemas.openxmlformats.org/presentationml/2006/main">
   <p:cSld>
     <p:bg>
@@ -26759,7 +26237,7 @@
 </p:sld>
 </file>
 
-<file path=ppt/slides/slide7.xml><?xml version="1.0" encoding="utf-8"?>
+<file path=ppt/slides/slide6.xml><?xml version="1.0" encoding="utf-8"?>
 <p:sld xmlns:a="http://schemas.openxmlformats.org/drawingml/2006/main" xmlns:r="http://schemas.openxmlformats.org/officeDocument/2006/relationships" xmlns:p="http://schemas.openxmlformats.org/presentationml/2006/main">
   <p:cSld>
     <p:bg>
@@ -28067,7 +27545,7 @@
 </p:sld>
 </file>
 
-<file path=ppt/slides/slide8.xml><?xml version="1.0" encoding="utf-8"?>
+<file path=ppt/slides/slide7.xml><?xml version="1.0" encoding="utf-8"?>
 <p:sld xmlns:a="http://schemas.openxmlformats.org/drawingml/2006/main" xmlns:r="http://schemas.openxmlformats.org/officeDocument/2006/relationships" xmlns:p="http://schemas.openxmlformats.org/presentationml/2006/main">
   <p:cSld>
     <p:bg>
@@ -28362,7 +27840,7 @@
 </p:sld>
 </file>
 
-<file path=ppt/slides/slide9.xml><?xml version="1.0" encoding="utf-8"?>
+<file path=ppt/slides/slide8.xml><?xml version="1.0" encoding="utf-8"?>
 <p:sld xmlns:a="http://schemas.openxmlformats.org/drawingml/2006/main" xmlns:r="http://schemas.openxmlformats.org/officeDocument/2006/relationships" xmlns:p="http://schemas.openxmlformats.org/presentationml/2006/main">
   <p:cSld>
     <p:bg>
@@ -29867,6 +29345,630 @@
               <a:ea typeface="Arial"/>
               <a:cs typeface="Arial"/>
               <a:sym typeface="Arial"/>
+            </a:endParaRPr>
+          </a:p>
+        </p:txBody>
+      </p:sp>
+    </p:spTree>
+  </p:cSld>
+  <p:clrMapOvr>
+    <a:masterClrMapping/>
+  </p:clrMapOvr>
+</p:sld>
+</file>
+
+<file path=ppt/slides/slide9.xml><?xml version="1.0" encoding="utf-8"?>
+<p:sld xmlns:a="http://schemas.openxmlformats.org/drawingml/2006/main" xmlns:r="http://schemas.openxmlformats.org/officeDocument/2006/relationships" xmlns:p="http://schemas.openxmlformats.org/presentationml/2006/main">
+  <p:cSld>
+    <p:bg>
+      <p:bgPr>
+        <a:blipFill>
+          <a:blip r:embed="rId3">
+            <a:alphaModFix/>
+          </a:blip>
+          <a:stretch>
+            <a:fillRect/>
+          </a:stretch>
+        </a:blipFill>
+        <a:effectLst/>
+      </p:bgPr>
+    </p:bg>
+    <p:spTree>
+      <p:nvGrpSpPr>
+        <p:cNvPr id="1" name="Shape 132"/>
+        <p:cNvGrpSpPr/>
+        <p:nvPr/>
+      </p:nvGrpSpPr>
+      <p:grpSpPr>
+        <a:xfrm>
+          <a:off x="0" y="0"/>
+          <a:ext cx="0" cy="0"/>
+          <a:chOff x="0" y="0"/>
+          <a:chExt cx="0" cy="0"/>
+        </a:xfrm>
+      </p:grpSpPr>
+      <p:sp>
+        <p:nvSpPr>
+          <p:cNvPr id="133" name="Google Shape;133;p11"/>
+          <p:cNvSpPr txBox="1"/>
+          <p:nvPr/>
+        </p:nvSpPr>
+        <p:spPr>
+          <a:xfrm>
+            <a:off x="719375" y="842675"/>
+            <a:ext cx="7657200" cy="2654100"/>
+          </a:xfrm>
+          <a:prstGeom prst="rect">
+            <a:avLst/>
+          </a:prstGeom>
+          <a:noFill/>
+          <a:ln>
+            <a:noFill/>
+          </a:ln>
+        </p:spPr>
+        <p:txBody>
+          <a:bodyPr spcFirstLastPara="1" wrap="square" lIns="91425" tIns="91425" rIns="91425" bIns="91425" anchor="t" anchorCtr="0">
+            <a:noAutofit/>
+          </a:bodyPr>
+          <a:lstStyle/>
+          <a:p>
+            <a:pPr marL="0" marR="0" lvl="0" indent="0" algn="l" rtl="0">
+              <a:lnSpc>
+                <a:spcPct val="150000"/>
+              </a:lnSpc>
+              <a:spcBef>
+                <a:spcPts val="0"/>
+              </a:spcBef>
+              <a:spcAft>
+                <a:spcPts val="0"/>
+              </a:spcAft>
+              <a:buClr>
+                <a:srgbClr val="000000"/>
+              </a:buClr>
+              <a:buSzPts val="1100"/>
+              <a:buFont typeface="Arial"/>
+              <a:buNone/>
+            </a:pPr>
+            <a:r>
+              <a:rPr lang="en" sz="1800" b="1" i="0" u="none" strike="noStrike" cap="none">
+                <a:solidFill>
+                  <a:srgbClr val="2DC5FA"/>
+                </a:solidFill>
+                <a:latin typeface="Roboto"/>
+                <a:ea typeface="Roboto"/>
+                <a:cs typeface="Roboto"/>
+                <a:sym typeface="Roboto"/>
+              </a:rPr>
+              <a:t>GOODNESS OF FIT - FIT TO DISTRIBUTION</a:t>
+            </a:r>
+            <a:endParaRPr sz="1800" b="1" i="0" u="none" strike="noStrike" cap="none">
+              <a:solidFill>
+                <a:srgbClr val="2DC5FA"/>
+              </a:solidFill>
+              <a:latin typeface="Roboto"/>
+              <a:ea typeface="Roboto"/>
+              <a:cs typeface="Roboto"/>
+              <a:sym typeface="Roboto"/>
+            </a:endParaRPr>
+          </a:p>
+          <a:p>
+            <a:pPr marL="0" marR="0" lvl="0" indent="0" algn="l" rtl="0">
+              <a:lnSpc>
+                <a:spcPct val="150000"/>
+              </a:lnSpc>
+              <a:spcBef>
+                <a:spcPts val="0"/>
+              </a:spcBef>
+              <a:spcAft>
+                <a:spcPts val="0"/>
+              </a:spcAft>
+              <a:buClr>
+                <a:schemeClr val="dk1"/>
+              </a:buClr>
+              <a:buSzPts val="1100"/>
+              <a:buFont typeface="Arial"/>
+              <a:buNone/>
+            </a:pPr>
+            <a:endParaRPr sz="1100" b="0" i="0" u="none" strike="noStrike" cap="none">
+              <a:solidFill>
+                <a:schemeClr val="dk1"/>
+              </a:solidFill>
+              <a:latin typeface="Arial"/>
+              <a:ea typeface="Arial"/>
+              <a:cs typeface="Arial"/>
+              <a:sym typeface="Arial"/>
+            </a:endParaRPr>
+          </a:p>
+          <a:p>
+            <a:pPr marL="0" marR="0" lvl="0" indent="0" algn="l" rtl="0">
+              <a:lnSpc>
+                <a:spcPct val="150000"/>
+              </a:lnSpc>
+              <a:spcBef>
+                <a:spcPts val="0"/>
+              </a:spcBef>
+              <a:spcAft>
+                <a:spcPts val="0"/>
+              </a:spcAft>
+              <a:buClr>
+                <a:schemeClr val="dk1"/>
+              </a:buClr>
+              <a:buSzPts val="1100"/>
+              <a:buFont typeface="Arial"/>
+              <a:buNone/>
+            </a:pPr>
+            <a:r>
+              <a:rPr lang="en" sz="1100" b="0" i="0" u="none" strike="noStrike" cap="none">
+                <a:solidFill>
+                  <a:schemeClr val="dk1"/>
+                </a:solidFill>
+                <a:latin typeface="Arial"/>
+                <a:ea typeface="Arial"/>
+                <a:cs typeface="Arial"/>
+                <a:sym typeface="Arial"/>
+              </a:rPr>
+              <a:t>This statistic follows a Chi-squared distribution. Just like T-distributions, there is no single Chi-squared. Instead there is one for each 𝕟 (called degrees of freedom), but now 𝕟 does not stand for the number of observations -1. Instead it stands for the number of categories -1.</a:t>
+            </a:r>
+            <a:r>
+              <a:rPr lang="en" sz="1100">
+                <a:solidFill>
+                  <a:schemeClr val="dk1"/>
+                </a:solidFill>
+              </a:rPr>
+              <a:t> In</a:t>
+            </a:r>
+            <a:r>
+              <a:rPr lang="en" sz="1100" b="0" i="0" u="none" strike="noStrike" cap="none">
+                <a:solidFill>
+                  <a:schemeClr val="dk1"/>
+                </a:solidFill>
+                <a:latin typeface="Arial"/>
+                <a:ea typeface="Arial"/>
+                <a:cs typeface="Arial"/>
+                <a:sym typeface="Arial"/>
+              </a:rPr>
+              <a:t> this case, our 𝕟=3-1=2</a:t>
+            </a:r>
+            <a:endParaRPr sz="1100" b="0" i="0" u="none" strike="noStrike" cap="none">
+              <a:solidFill>
+                <a:schemeClr val="dk1"/>
+              </a:solidFill>
+              <a:latin typeface="Arial"/>
+              <a:ea typeface="Arial"/>
+              <a:cs typeface="Arial"/>
+              <a:sym typeface="Arial"/>
+            </a:endParaRPr>
+          </a:p>
+          <a:p>
+            <a:pPr marL="0" marR="0" lvl="0" indent="0" algn="l" rtl="0">
+              <a:lnSpc>
+                <a:spcPct val="150000"/>
+              </a:lnSpc>
+              <a:spcBef>
+                <a:spcPts val="0"/>
+              </a:spcBef>
+              <a:spcAft>
+                <a:spcPts val="0"/>
+              </a:spcAft>
+              <a:buClr>
+                <a:schemeClr val="dk1"/>
+              </a:buClr>
+              <a:buSzPts val="1100"/>
+              <a:buFont typeface="Arial"/>
+              <a:buNone/>
+            </a:pPr>
+            <a:endParaRPr sz="1100" b="0" i="0" u="none" strike="noStrike" cap="none">
+              <a:solidFill>
+                <a:schemeClr val="dk1"/>
+              </a:solidFill>
+              <a:latin typeface="Arial"/>
+              <a:ea typeface="Arial"/>
+              <a:cs typeface="Arial"/>
+              <a:sym typeface="Arial"/>
+            </a:endParaRPr>
+          </a:p>
+          <a:p>
+            <a:pPr marL="0" marR="0" lvl="0" indent="0" algn="l" rtl="0">
+              <a:lnSpc>
+                <a:spcPct val="150000"/>
+              </a:lnSpc>
+              <a:spcBef>
+                <a:spcPts val="0"/>
+              </a:spcBef>
+              <a:spcAft>
+                <a:spcPts val="0"/>
+              </a:spcAft>
+              <a:buClr>
+                <a:schemeClr val="dk1"/>
+              </a:buClr>
+              <a:buSzPts val="1100"/>
+              <a:buFont typeface="Arial"/>
+              <a:buNone/>
+            </a:pPr>
+            <a:endParaRPr sz="1100" b="0" i="0" u="none" strike="noStrike" cap="none">
+              <a:solidFill>
+                <a:schemeClr val="dk1"/>
+              </a:solidFill>
+              <a:latin typeface="Arial"/>
+              <a:ea typeface="Arial"/>
+              <a:cs typeface="Arial"/>
+              <a:sym typeface="Arial"/>
+            </a:endParaRPr>
+          </a:p>
+          <a:p>
+            <a:pPr marL="0" marR="0" lvl="0" indent="0" algn="l" rtl="0">
+              <a:lnSpc>
+                <a:spcPct val="150000"/>
+              </a:lnSpc>
+              <a:spcBef>
+                <a:spcPts val="0"/>
+              </a:spcBef>
+              <a:spcAft>
+                <a:spcPts val="0"/>
+              </a:spcAft>
+              <a:buClr>
+                <a:schemeClr val="dk1"/>
+              </a:buClr>
+              <a:buSzPts val="1100"/>
+              <a:buFont typeface="Arial"/>
+              <a:buNone/>
+            </a:pPr>
+            <a:endParaRPr sz="1100" b="1" i="0" u="none" strike="noStrike" cap="none">
+              <a:solidFill>
+                <a:schemeClr val="dk1"/>
+              </a:solidFill>
+              <a:latin typeface="Arial"/>
+              <a:ea typeface="Arial"/>
+              <a:cs typeface="Arial"/>
+              <a:sym typeface="Arial"/>
+            </a:endParaRPr>
+          </a:p>
+        </p:txBody>
+      </p:sp>
+      <p:pic>
+        <p:nvPicPr>
+          <p:cNvPr id="134" name="Google Shape;134;p11"/>
+          <p:cNvPicPr preferRelativeResize="0"/>
+          <p:nvPr/>
+        </p:nvPicPr>
+        <p:blipFill rotWithShape="1">
+          <a:blip r:embed="rId4">
+            <a:alphaModFix/>
+          </a:blip>
+          <a:srcRect/>
+          <a:stretch/>
+        </p:blipFill>
+        <p:spPr>
+          <a:xfrm>
+            <a:off x="-809150" y="3742975"/>
+            <a:ext cx="2599849" cy="2803224"/>
+          </a:xfrm>
+          <a:prstGeom prst="rect">
+            <a:avLst/>
+          </a:prstGeom>
+          <a:noFill/>
+          <a:ln>
+            <a:noFill/>
+          </a:ln>
+        </p:spPr>
+      </p:pic>
+      <p:pic>
+        <p:nvPicPr>
+          <p:cNvPr id="135" name="Google Shape;135;p11"/>
+          <p:cNvPicPr preferRelativeResize="0"/>
+          <p:nvPr/>
+        </p:nvPicPr>
+        <p:blipFill rotWithShape="1">
+          <a:blip r:embed="rId5">
+            <a:alphaModFix/>
+          </a:blip>
+          <a:srcRect/>
+          <a:stretch/>
+        </p:blipFill>
+        <p:spPr>
+          <a:xfrm>
+            <a:off x="782174" y="2723600"/>
+            <a:ext cx="2269101" cy="1698251"/>
+          </a:xfrm>
+          <a:prstGeom prst="rect">
+            <a:avLst/>
+          </a:prstGeom>
+          <a:noFill/>
+          <a:ln>
+            <a:noFill/>
+          </a:ln>
+        </p:spPr>
+      </p:pic>
+      <p:sp>
+        <p:nvSpPr>
+          <p:cNvPr id="136" name="Google Shape;136;p11"/>
+          <p:cNvSpPr txBox="1"/>
+          <p:nvPr/>
+        </p:nvSpPr>
+        <p:spPr>
+          <a:xfrm>
+            <a:off x="3239100" y="2418800"/>
+            <a:ext cx="5255700" cy="1698300"/>
+          </a:xfrm>
+          <a:prstGeom prst="rect">
+            <a:avLst/>
+          </a:prstGeom>
+          <a:noFill/>
+          <a:ln>
+            <a:noFill/>
+          </a:ln>
+        </p:spPr>
+        <p:txBody>
+          <a:bodyPr spcFirstLastPara="1" wrap="square" lIns="91425" tIns="91425" rIns="91425" bIns="91425" anchor="t" anchorCtr="0">
+            <a:noAutofit/>
+          </a:bodyPr>
+          <a:lstStyle/>
+          <a:p>
+            <a:pPr marL="0" marR="0" lvl="0" indent="0" algn="l" rtl="0">
+              <a:lnSpc>
+                <a:spcPct val="150000"/>
+              </a:lnSpc>
+              <a:spcBef>
+                <a:spcPts val="0"/>
+              </a:spcBef>
+              <a:spcAft>
+                <a:spcPts val="0"/>
+              </a:spcAft>
+              <a:buClr>
+                <a:srgbClr val="000000"/>
+              </a:buClr>
+              <a:buSzPts val="1100"/>
+              <a:buFont typeface="Arial"/>
+              <a:buNone/>
+            </a:pPr>
+            <a:r>
+              <a:rPr lang="en" sz="1100">
+                <a:solidFill>
+                  <a:schemeClr val="dk1"/>
+                </a:solidFill>
+              </a:rPr>
+              <a:t>We can get a p value with the function</a:t>
+            </a:r>
+            <a:r>
+              <a:rPr lang="en" sz="1100" b="0" i="0" u="none" strike="noStrike" cap="none">
+                <a:solidFill>
+                  <a:schemeClr val="dk1"/>
+                </a:solidFill>
+                <a:latin typeface="Arial"/>
+                <a:ea typeface="Arial"/>
+                <a:cs typeface="Arial"/>
+                <a:sym typeface="Arial"/>
+              </a:rPr>
+              <a:t> </a:t>
+            </a:r>
+            <a:endParaRPr sz="1100" b="0" i="0" u="none" strike="noStrike" cap="none">
+              <a:solidFill>
+                <a:schemeClr val="dk1"/>
+              </a:solidFill>
+              <a:latin typeface="Arial"/>
+              <a:ea typeface="Arial"/>
+              <a:cs typeface="Arial"/>
+              <a:sym typeface="Arial"/>
+            </a:endParaRPr>
+          </a:p>
+          <a:p>
+            <a:pPr marL="0" marR="114300" lvl="0" indent="0" algn="l" rtl="0">
+              <a:lnSpc>
+                <a:spcPct val="130769"/>
+              </a:lnSpc>
+              <a:spcBef>
+                <a:spcPts val="0"/>
+              </a:spcBef>
+              <a:spcAft>
+                <a:spcPts val="0"/>
+              </a:spcAft>
+              <a:buClr>
+                <a:srgbClr val="000000"/>
+              </a:buClr>
+              <a:buSzPts val="1000"/>
+              <a:buFont typeface="Arial"/>
+              <a:buNone/>
+            </a:pPr>
+            <a:r>
+              <a:rPr lang="en" sz="1000" b="0" i="0" u="none" strike="noStrike" cap="none">
+                <a:solidFill>
+                  <a:schemeClr val="dk1"/>
+                </a:solidFill>
+                <a:latin typeface="Courier New"/>
+                <a:ea typeface="Courier New"/>
+                <a:cs typeface="Courier New"/>
+                <a:sym typeface="Courier New"/>
+              </a:rPr>
+              <a:t>import scipy.stats as st </a:t>
+            </a:r>
+            <a:endParaRPr sz="1000" b="0" i="0" u="none" strike="noStrike" cap="none">
+              <a:solidFill>
+                <a:schemeClr val="dk1"/>
+              </a:solidFill>
+              <a:latin typeface="Courier New"/>
+              <a:ea typeface="Courier New"/>
+              <a:cs typeface="Courier New"/>
+              <a:sym typeface="Courier New"/>
+            </a:endParaRPr>
+          </a:p>
+          <a:p>
+            <a:pPr marL="0" marR="114300" lvl="0" indent="0" algn="l" rtl="0">
+              <a:lnSpc>
+                <a:spcPct val="130769"/>
+              </a:lnSpc>
+              <a:spcBef>
+                <a:spcPts val="0"/>
+              </a:spcBef>
+              <a:spcAft>
+                <a:spcPts val="0"/>
+              </a:spcAft>
+              <a:buClr>
+                <a:srgbClr val="000000"/>
+              </a:buClr>
+              <a:buSzPts val="1000"/>
+              <a:buFont typeface="Arial"/>
+              <a:buNone/>
+            </a:pPr>
+            <a:r>
+              <a:rPr lang="en" sz="1000" b="0" i="0" u="none" strike="noStrike" cap="none">
+                <a:solidFill>
+                  <a:schemeClr val="dk1"/>
+                </a:solidFill>
+                <a:latin typeface="Courier New"/>
+                <a:ea typeface="Courier New"/>
+                <a:cs typeface="Courier New"/>
+                <a:sym typeface="Courier New"/>
+              </a:rPr>
+              <a:t>st.chi2.sf(abs(stat),n)</a:t>
+            </a:r>
+            <a:endParaRPr sz="1000" b="0" i="0" u="none" strike="noStrike" cap="none">
+              <a:solidFill>
+                <a:schemeClr val="dk1"/>
+              </a:solidFill>
+              <a:latin typeface="Courier New"/>
+              <a:ea typeface="Courier New"/>
+              <a:cs typeface="Courier New"/>
+              <a:sym typeface="Courier New"/>
+            </a:endParaRPr>
+          </a:p>
+          <a:p>
+            <a:pPr marL="0" marR="0" lvl="0" indent="0" algn="l" rtl="0">
+              <a:lnSpc>
+                <a:spcPct val="150000"/>
+              </a:lnSpc>
+              <a:spcBef>
+                <a:spcPts val="0"/>
+              </a:spcBef>
+              <a:spcAft>
+                <a:spcPts val="0"/>
+              </a:spcAft>
+              <a:buClr>
+                <a:srgbClr val="000000"/>
+              </a:buClr>
+              <a:buSzPts val="1100"/>
+              <a:buFont typeface="Arial"/>
+              <a:buNone/>
+            </a:pPr>
+            <a:r>
+              <a:rPr lang="en" sz="1100">
+                <a:solidFill>
+                  <a:schemeClr val="dk1"/>
+                </a:solidFill>
+              </a:rPr>
+              <a:t>Or all of this can be abstracted away in the function</a:t>
+            </a:r>
+            <a:endParaRPr sz="1100">
+              <a:solidFill>
+                <a:schemeClr val="dk1"/>
+              </a:solidFill>
+            </a:endParaRPr>
+          </a:p>
+          <a:p>
+            <a:pPr marL="0" lvl="0" indent="0" algn="l" rtl="0">
+              <a:lnSpc>
+                <a:spcPct val="135714"/>
+              </a:lnSpc>
+              <a:spcBef>
+                <a:spcPts val="0"/>
+              </a:spcBef>
+              <a:spcAft>
+                <a:spcPts val="0"/>
+              </a:spcAft>
+              <a:buClr>
+                <a:schemeClr val="dk1"/>
+              </a:buClr>
+              <a:buSzPts val="1050"/>
+              <a:buFont typeface="Arial"/>
+              <a:buNone/>
+            </a:pPr>
+            <a:r>
+              <a:rPr lang="en" sz="1000">
+                <a:solidFill>
+                  <a:schemeClr val="dk1"/>
+                </a:solidFill>
+                <a:latin typeface="Courier New"/>
+                <a:ea typeface="Courier New"/>
+                <a:cs typeface="Courier New"/>
+                <a:sym typeface="Courier New"/>
+              </a:rPr>
+              <a:t>st.chisquare([120,80,100], f_exp=[120,90,90])</a:t>
+            </a:r>
+            <a:endParaRPr sz="1000">
+              <a:solidFill>
+                <a:schemeClr val="dk1"/>
+              </a:solidFill>
+              <a:latin typeface="Courier New"/>
+              <a:ea typeface="Courier New"/>
+              <a:cs typeface="Courier New"/>
+              <a:sym typeface="Courier New"/>
+            </a:endParaRPr>
+          </a:p>
+          <a:p>
+            <a:pPr marL="0" lvl="0" indent="0" algn="l" rtl="0">
+              <a:lnSpc>
+                <a:spcPct val="135714"/>
+              </a:lnSpc>
+              <a:spcBef>
+                <a:spcPts val="0"/>
+              </a:spcBef>
+              <a:spcAft>
+                <a:spcPts val="0"/>
+              </a:spcAft>
+              <a:buClr>
+                <a:schemeClr val="dk1"/>
+              </a:buClr>
+              <a:buSzPts val="1050"/>
+              <a:buFont typeface="Arial"/>
+              <a:buNone/>
+            </a:pPr>
+            <a:endParaRPr sz="1000">
+              <a:solidFill>
+                <a:schemeClr val="dk1"/>
+              </a:solidFill>
+              <a:latin typeface="Courier New"/>
+              <a:ea typeface="Courier New"/>
+              <a:cs typeface="Courier New"/>
+              <a:sym typeface="Courier New"/>
+            </a:endParaRPr>
+          </a:p>
+          <a:p>
+            <a:pPr marL="0" marR="0" lvl="0" indent="0" algn="l" rtl="0">
+              <a:lnSpc>
+                <a:spcPct val="150000"/>
+              </a:lnSpc>
+              <a:spcBef>
+                <a:spcPts val="0"/>
+              </a:spcBef>
+              <a:spcAft>
+                <a:spcPts val="0"/>
+              </a:spcAft>
+              <a:buClr>
+                <a:srgbClr val="000000"/>
+              </a:buClr>
+              <a:buSzPts val="1100"/>
+              <a:buFont typeface="Arial"/>
+              <a:buNone/>
+            </a:pPr>
+            <a:r>
+              <a:rPr lang="en" sz="1100" b="0" i="0" u="none" strike="noStrike" cap="none">
+                <a:solidFill>
+                  <a:schemeClr val="dk1"/>
+                </a:solidFill>
+                <a:latin typeface="Arial"/>
+                <a:ea typeface="Arial"/>
+                <a:cs typeface="Arial"/>
+                <a:sym typeface="Arial"/>
+              </a:rPr>
+              <a:t>In this case there are no considerations on one-tailed versus 2-tailed  😁</a:t>
+            </a:r>
+            <a:endParaRPr sz="1000" b="0" i="0" u="none" strike="noStrike" cap="none">
+              <a:solidFill>
+                <a:schemeClr val="dk1"/>
+              </a:solidFill>
+              <a:latin typeface="Courier New"/>
+              <a:ea typeface="Courier New"/>
+              <a:cs typeface="Courier New"/>
+              <a:sym typeface="Courier New"/>
             </a:endParaRPr>
           </a:p>
         </p:txBody>
